--- a/Final Documents/TrueVsFakeNewsStakeholders.pptx
+++ b/Final Documents/TrueVsFakeNewsStakeholders.pptx
@@ -8,10 +8,12 @@
     <p:sldId id="268" r:id="rId5"/>
     <p:sldId id="312" r:id="rId6"/>
     <p:sldId id="313" r:id="rId7"/>
-    <p:sldId id="314" r:id="rId8"/>
-    <p:sldId id="315" r:id="rId9"/>
-    <p:sldId id="316" r:id="rId10"/>
-    <p:sldId id="317" r:id="rId11"/>
+    <p:sldId id="318" r:id="rId8"/>
+    <p:sldId id="314" r:id="rId9"/>
+    <p:sldId id="315" r:id="rId10"/>
+    <p:sldId id="316" r:id="rId11"/>
+    <p:sldId id="319" r:id="rId12"/>
+    <p:sldId id="317" r:id="rId13"/>
   </p:sldIdLst>
   <p:sldSz cx="12192000" cy="6858000"/>
   <p:notesSz cx="6858000" cy="9144000"/>
@@ -116,15 +118,13 @@
         <p14:section name="Default Section" id="{C778C2D6-1220-462B-A7C0-6E6C6B7707A0}">
           <p14:sldIdLst>
             <p14:sldId id="268"/>
-          </p14:sldIdLst>
-        </p14:section>
-        <p14:section name="Untitled Section" id="{8317E4D3-D01A-470E-8DC5-85C145A7E432}">
-          <p14:sldIdLst>
             <p14:sldId id="312"/>
             <p14:sldId id="313"/>
+            <p14:sldId id="318"/>
             <p14:sldId id="314"/>
             <p14:sldId id="315"/>
             <p14:sldId id="316"/>
+            <p14:sldId id="319"/>
             <p14:sldId id="317"/>
           </p14:sldIdLst>
         </p14:section>
@@ -3880,12 +3880,18 @@
           <a:lstStyle/>
           <a:p>
             <a:r>
-              <a:rPr lang="en-US" sz="2400"/>
+              <a:rPr lang="en-US" sz="2400" dirty="0"/>
+              <a:t>False news stories have been making headlines and with the advent of the internet have become a growing problem.</a:t>
+            </a:r>
+          </a:p>
+          <a:p>
+            <a:r>
+              <a:rPr lang="en-US" sz="2400" dirty="0"/>
               <a:t>Do true news stories or false news stories have subtle linguistic clues that can be identified by a machine model and used in a classification task?</a:t>
             </a:r>
           </a:p>
           <a:p>
-            <a:endParaRPr lang="en-US" sz="2400"/>
+            <a:endParaRPr lang="en-US" sz="2400" dirty="0"/>
           </a:p>
         </p:txBody>
       </p:sp>
@@ -4126,7 +4132,22 @@
           <a:lstStyle/>
           <a:p>
             <a:r>
-              <a:rPr lang="en-US" sz="4400">
+              <a:rPr lang="en-US" sz="4400" dirty="0">
+                <a:solidFill>
+                  <a:srgbClr val="FFFFFF"/>
+                </a:solidFill>
+              </a:rPr>
+              <a:t>Text </a:t>
+            </a:r>
+            <a:br>
+              <a:rPr lang="en-US" sz="4400" dirty="0">
+                <a:solidFill>
+                  <a:srgbClr val="FFFFFF"/>
+                </a:solidFill>
+              </a:rPr>
+            </a:br>
+            <a:r>
+              <a:rPr lang="en-US" sz="4400" dirty="0">
                 <a:solidFill>
                   <a:srgbClr val="FFFFFF"/>
                 </a:solidFill>
@@ -4170,10 +4191,10 @@
               </a:lnSpc>
             </a:pPr>
             <a:r>
-              <a:rPr lang="en-GB" sz="2000"/>
+              <a:rPr lang="en-GB" sz="2000" dirty="0"/>
               <a:t>Buzzfeed dataset: 33 false news stories covering a variety of topics.  During our work, we discovered 3 Spanish language stories that we removed.</a:t>
             </a:r>
-            <a:endParaRPr lang="en-US" sz="2000"/>
+            <a:endParaRPr lang="en-US" sz="2000" dirty="0"/>
           </a:p>
           <a:p>
             <a:pPr lvl="0">
@@ -4182,8 +4203,56 @@
               </a:lnSpc>
             </a:pPr>
             <a:r>
-              <a:rPr lang="en-GB" sz="2000"/>
-              <a:t>Rada Mihalcea dataset:  980 news and celebrity gossip stories, 50/50 true/false. News stories are are sourced from mainstream news sites in the US such as ABCNews, CNN, USAToday, NewYorkTimes, FoxNews, Bloomberg, and CNET among others. Each true story has a corresponding intentionally false story created by a human being. </a:t>
+              <a:rPr lang="en-GB" sz="2000" dirty="0"/>
+              <a:t>Rada </a:t>
+            </a:r>
+            <a:r>
+              <a:rPr lang="en-GB" sz="2000" dirty="0" err="1"/>
+              <a:t>Mihalcea</a:t>
+            </a:r>
+            <a:r>
+              <a:rPr lang="en-GB" sz="2000" dirty="0"/>
+              <a:t> dataset:  980 news and celebrity gossip stories, 50/50 true/false. News stories are </a:t>
+            </a:r>
+            <a:r>
+              <a:rPr lang="en-GB" sz="2000" dirty="0" err="1"/>
+              <a:t>are</a:t>
+            </a:r>
+            <a:r>
+              <a:rPr lang="en-GB" sz="2000" dirty="0"/>
+              <a:t> sourced from mainstream news sites in the US such as </a:t>
+            </a:r>
+            <a:r>
+              <a:rPr lang="en-GB" sz="2000" dirty="0" err="1"/>
+              <a:t>ABCNews</a:t>
+            </a:r>
+            <a:r>
+              <a:rPr lang="en-GB" sz="2000" dirty="0"/>
+              <a:t>, CNN, </a:t>
+            </a:r>
+            <a:r>
+              <a:rPr lang="en-GB" sz="2000" dirty="0" err="1"/>
+              <a:t>USAToday</a:t>
+            </a:r>
+            <a:r>
+              <a:rPr lang="en-GB" sz="2000" dirty="0"/>
+              <a:t>, </a:t>
+            </a:r>
+            <a:r>
+              <a:rPr lang="en-GB" sz="2000" dirty="0" err="1"/>
+              <a:t>NewYorkTimes</a:t>
+            </a:r>
+            <a:r>
+              <a:rPr lang="en-GB" sz="2000" dirty="0"/>
+              <a:t>, </a:t>
+            </a:r>
+            <a:r>
+              <a:rPr lang="en-GB" sz="2000" dirty="0" err="1"/>
+              <a:t>FoxNews</a:t>
+            </a:r>
+            <a:r>
+              <a:rPr lang="en-GB" sz="2000" dirty="0"/>
+              <a:t>, Bloomberg, and CNET among others. Each true story has a corresponding intentionally false story created by a human being. </a:t>
             </a:r>
           </a:p>
           <a:p>
@@ -4193,10 +4262,25 @@
               </a:lnSpc>
             </a:pPr>
             <a:r>
-              <a:rPr lang="en-GB" sz="2000"/>
+              <a:rPr lang="en-GB" sz="2000" dirty="0"/>
               <a:t>Snopes dataset: 116 stories marked true or false in a set of 312 news articles classified as one of  5 values on a true/false spectrum (false, mostly false, mixed, mostly true, true) </a:t>
             </a:r>
-            <a:endParaRPr lang="en-US" sz="2000"/>
+          </a:p>
+          <a:p>
+            <a:pPr lvl="0">
+              <a:lnSpc>
+                <a:spcPct val="100000"/>
+              </a:lnSpc>
+            </a:pPr>
+            <a:r>
+              <a:rPr lang="en-GB" sz="2000" b="1" dirty="0"/>
+              <a:t>Total</a:t>
+            </a:r>
+            <a:r>
+              <a:rPr lang="en-GB" sz="2000" dirty="0"/>
+              <a:t>: 1126 stories with full text, 555 true, 574 false.</a:t>
+            </a:r>
+            <a:endParaRPr lang="en-US" sz="2000" dirty="0"/>
           </a:p>
         </p:txBody>
       </p:sp>
@@ -4271,14 +4355,6 @@
 <file path=ppt/slides/slide4.xml><?xml version="1.0" encoding="utf-8"?>
 <p:sld xmlns:a="http://schemas.openxmlformats.org/drawingml/2006/main" xmlns:r="http://schemas.openxmlformats.org/officeDocument/2006/relationships" xmlns:p="http://schemas.openxmlformats.org/presentationml/2006/main">
   <p:cSld>
-    <p:bg>
-      <p:bgPr>
-        <a:solidFill>
-          <a:schemeClr val="bg1"/>
-        </a:solidFill>
-        <a:effectLst/>
-      </p:bgPr>
-    </p:bg>
     <p:spTree>
       <p:nvGrpSpPr>
         <p:cNvPr id="1" name=""/>
@@ -4293,266 +4369,70 @@
           <a:chExt cx="0" cy="0"/>
         </a:xfrm>
       </p:grpSpPr>
-      <p:sp useBgFill="1">
-        <p:nvSpPr>
-          <p:cNvPr id="8" name="Rectangle 7">
+      <p:sp>
+        <p:nvSpPr>
+          <p:cNvPr id="5" name="Title 4">
             <a:extLst>
               <a:ext uri="{FF2B5EF4-FFF2-40B4-BE49-F238E27FC236}">
-                <a16:creationId xmlns:a16="http://schemas.microsoft.com/office/drawing/2014/main" id="{3558DB37-9FEE-48A2-8578-ED0401573943}"/>
-              </a:ext>
-              <a:ext uri="{C183D7F6-B498-43B3-948B-1728B52AA6E4}">
-                <adec:decorative xmlns:adec="http://schemas.microsoft.com/office/drawing/2017/decorative" val="1"/>
+                <a16:creationId xmlns:a16="http://schemas.microsoft.com/office/drawing/2014/main" id="{A0AA7153-EE21-4658-8506-5154ED8E26A8}"/>
               </a:ext>
             </a:extLst>
           </p:cNvPr>
           <p:cNvSpPr>
-            <a:spLocks noGrp="1" noRot="1" noChangeAspect="1" noMove="1" noResize="1" noEditPoints="1" noAdjustHandles="1" noChangeArrowheads="1" noChangeShapeType="1" noTextEdit="1"/>
-          </p:cNvSpPr>
-          <p:nvPr>
-            <p:extLst>
-              <p:ext uri="{386F3935-93C4-4BCD-93E2-E3B085C9AB24}">
-                <p16:designElem xmlns:p16="http://schemas.microsoft.com/office/powerpoint/2015/main" val="1"/>
-              </p:ext>
-            </p:extLst>
-          </p:nvPr>
-        </p:nvSpPr>
+            <a:spLocks noGrp="1"/>
+          </p:cNvSpPr>
+          <p:nvPr>
+            <p:ph type="title"/>
+          </p:nvPr>
+        </p:nvSpPr>
+        <p:spPr/>
+        <p:txBody>
+          <a:bodyPr/>
+          <a:lstStyle/>
+          <a:p>
+            <a:r>
+              <a:rPr lang="en-US" dirty="0"/>
+              <a:t>Dataset story breakdown</a:t>
+            </a:r>
+          </a:p>
+        </p:txBody>
+      </p:sp>
+      <p:pic>
+        <p:nvPicPr>
+          <p:cNvPr id="4" name="Content Placeholder 3">
+            <a:extLst>
+              <a:ext uri="{FF2B5EF4-FFF2-40B4-BE49-F238E27FC236}">
+                <a16:creationId xmlns:a16="http://schemas.microsoft.com/office/drawing/2014/main" id="{A95CA2A3-0071-48E5-A740-AAB3C5E3E223}"/>
+              </a:ext>
+            </a:extLst>
+          </p:cNvPr>
+          <p:cNvPicPr>
+            <a:picLocks noGrp="1" noChangeAspect="1"/>
+          </p:cNvPicPr>
+          <p:nvPr>
+            <p:ph idx="1"/>
+          </p:nvPr>
+        </p:nvPicPr>
+        <p:blipFill>
+          <a:blip r:embed="rId2"/>
+          <a:stretch>
+            <a:fillRect/>
+          </a:stretch>
+        </p:blipFill>
         <p:spPr>
           <a:xfrm>
-            <a:off x="1507" y="0"/>
-            <a:ext cx="12192000" cy="6858000"/>
+            <a:off x="3865234" y="2025908"/>
+            <a:ext cx="4461532" cy="4062983"/>
           </a:xfrm>
           <a:prstGeom prst="rect">
             <a:avLst/>
           </a:prstGeom>
-          <a:ln>
-            <a:noFill/>
-          </a:ln>
         </p:spPr>
-        <p:style>
-          <a:lnRef idx="2">
-            <a:schemeClr val="accent1">
-              <a:shade val="50000"/>
-            </a:schemeClr>
-          </a:lnRef>
-          <a:fillRef idx="1">
-            <a:schemeClr val="accent1"/>
-          </a:fillRef>
-          <a:effectRef idx="0">
-            <a:schemeClr val="accent1"/>
-          </a:effectRef>
-          <a:fontRef idx="minor">
-            <a:schemeClr val="lt1"/>
-          </a:fontRef>
-        </p:style>
-        <p:txBody>
-          <a:bodyPr rtlCol="0" anchor="ctr"/>
-          <a:lstStyle/>
-          <a:p>
-            <a:pPr algn="ctr"/>
-            <a:endParaRPr lang="en-US"/>
-          </a:p>
-        </p:txBody>
-      </p:sp>
-      <p:sp>
-        <p:nvSpPr>
-          <p:cNvPr id="10" name="Rectangle 9">
-            <a:extLst>
-              <a:ext uri="{FF2B5EF4-FFF2-40B4-BE49-F238E27FC236}">
-                <a16:creationId xmlns:a16="http://schemas.microsoft.com/office/drawing/2014/main" id="{5F7FCCA6-00E2-4F74-A105-0D769872F243}"/>
-              </a:ext>
-              <a:ext uri="{C183D7F6-B498-43B3-948B-1728B52AA6E4}">
-                <adec:decorative xmlns:adec="http://schemas.microsoft.com/office/drawing/2017/decorative" val="1"/>
-              </a:ext>
-            </a:extLst>
-          </p:cNvPr>
-          <p:cNvSpPr>
-            <a:spLocks noGrp="1" noRot="1" noChangeAspect="1" noMove="1" noResize="1" noEditPoints="1" noAdjustHandles="1" noChangeArrowheads="1" noChangeShapeType="1" noTextEdit="1"/>
-          </p:cNvSpPr>
-          <p:nvPr>
-            <p:extLst>
-              <p:ext uri="{386F3935-93C4-4BCD-93E2-E3B085C9AB24}">
-                <p16:designElem xmlns:p16="http://schemas.microsoft.com/office/powerpoint/2015/main" val="1"/>
-              </p:ext>
-            </p:extLst>
-          </p:nvPr>
-        </p:nvSpPr>
-        <p:spPr bwMode="white">
-          <a:xfrm>
-            <a:off x="1507" y="0"/>
-            <a:ext cx="12188952" cy="1905000"/>
-          </a:xfrm>
-          <a:prstGeom prst="rect">
-            <a:avLst/>
-          </a:prstGeom>
-          <a:solidFill>
-            <a:schemeClr val="accent1"/>
-          </a:solidFill>
-          <a:ln>
-            <a:noFill/>
-          </a:ln>
-        </p:spPr>
-        <p:style>
-          <a:lnRef idx="2">
-            <a:schemeClr val="accent1">
-              <a:shade val="50000"/>
-            </a:schemeClr>
-          </a:lnRef>
-          <a:fillRef idx="1">
-            <a:schemeClr val="accent1"/>
-          </a:fillRef>
-          <a:effectRef idx="0">
-            <a:schemeClr val="accent1"/>
-          </a:effectRef>
-          <a:fontRef idx="minor">
-            <a:schemeClr val="lt1"/>
-          </a:fontRef>
-        </p:style>
-      </p:sp>
-      <p:sp>
-        <p:nvSpPr>
-          <p:cNvPr id="2" name="Title 1">
-            <a:extLst>
-              <a:ext uri="{FF2B5EF4-FFF2-40B4-BE49-F238E27FC236}">
-                <a16:creationId xmlns:a16="http://schemas.microsoft.com/office/drawing/2014/main" id="{82D79C19-1C67-4C15-A4E5-9A825077367F}"/>
-              </a:ext>
-            </a:extLst>
-          </p:cNvPr>
-          <p:cNvSpPr>
-            <a:spLocks noGrp="1"/>
-          </p:cNvSpPr>
-          <p:nvPr>
-            <p:ph type="title"/>
-          </p:nvPr>
-        </p:nvSpPr>
-        <p:spPr>
-          <a:xfrm>
-            <a:off x="1097280" y="286603"/>
-            <a:ext cx="10058400" cy="1450757"/>
-          </a:xfrm>
-        </p:spPr>
-        <p:txBody>
-          <a:bodyPr anchor="ctr">
-            <a:normAutofit/>
-          </a:bodyPr>
-          <a:lstStyle/>
-          <a:p>
-            <a:r>
-              <a:rPr lang="en-US">
-                <a:solidFill>
-                  <a:srgbClr val="FFFFFF"/>
-                </a:solidFill>
-              </a:rPr>
-              <a:t>Dataset stakeholder note</a:t>
-            </a:r>
-          </a:p>
-        </p:txBody>
-      </p:sp>
-      <p:sp>
-        <p:nvSpPr>
-          <p:cNvPr id="3" name="Content Placeholder 2">
-            <a:extLst>
-              <a:ext uri="{FF2B5EF4-FFF2-40B4-BE49-F238E27FC236}">
-                <a16:creationId xmlns:a16="http://schemas.microsoft.com/office/drawing/2014/main" id="{B2678493-7FB0-4384-8E8A-B2A0096D1C64}"/>
-              </a:ext>
-            </a:extLst>
-          </p:cNvPr>
-          <p:cNvSpPr>
-            <a:spLocks noGrp="1"/>
-          </p:cNvSpPr>
-          <p:nvPr>
-            <p:ph idx="1"/>
-          </p:nvPr>
-        </p:nvSpPr>
-        <p:spPr>
-          <a:xfrm>
-            <a:off x="1096963" y="2675694"/>
-            <a:ext cx="10058400" cy="3193294"/>
-          </a:xfrm>
-        </p:spPr>
-        <p:txBody>
-          <a:bodyPr>
-            <a:normAutofit/>
-          </a:bodyPr>
-          <a:lstStyle/>
-          <a:p>
-            <a:r>
-              <a:rPr lang="en-US" dirty="0"/>
-              <a:t>After an extensive search, we found a total of 1126 news stories that we could use; this is not nearly enough.</a:t>
-            </a:r>
-          </a:p>
-          <a:p>
-            <a:r>
-              <a:rPr lang="en-US" dirty="0"/>
-              <a:t>While there are several online factchecking organizations, none provide an API available that would allow an easier collection of true vs. false news stories. </a:t>
-            </a:r>
-          </a:p>
-          <a:p>
-            <a:r>
-              <a:rPr lang="en-US" dirty="0"/>
-              <a:t>The small amount of data impacted the quality of our results. </a:t>
-            </a:r>
-          </a:p>
-        </p:txBody>
-      </p:sp>
-      <p:sp>
-        <p:nvSpPr>
-          <p:cNvPr id="12" name="Rectangle 11">
-            <a:extLst>
-              <a:ext uri="{FF2B5EF4-FFF2-40B4-BE49-F238E27FC236}">
-                <a16:creationId xmlns:a16="http://schemas.microsoft.com/office/drawing/2014/main" id="{9B834327-03F1-4931-8261-971373A5A694}"/>
-              </a:ext>
-              <a:ext uri="{C183D7F6-B498-43B3-948B-1728B52AA6E4}">
-                <adec:decorative xmlns:adec="http://schemas.microsoft.com/office/drawing/2017/decorative" val="1"/>
-              </a:ext>
-            </a:extLst>
-          </p:cNvPr>
-          <p:cNvSpPr>
-            <a:spLocks noGrp="1" noRot="1" noChangeAspect="1" noMove="1" noResize="1" noEditPoints="1" noAdjustHandles="1" noChangeArrowheads="1" noChangeShapeType="1" noTextEdit="1"/>
-          </p:cNvSpPr>
-          <p:nvPr>
-            <p:extLst>
-              <p:ext uri="{386F3935-93C4-4BCD-93E2-E3B085C9AB24}">
-                <p16:designElem xmlns:p16="http://schemas.microsoft.com/office/powerpoint/2015/main" val="1"/>
-              </p:ext>
-            </p:extLst>
-          </p:nvPr>
-        </p:nvSpPr>
-        <p:spPr>
-          <a:xfrm>
-            <a:off x="0" y="6400800"/>
-            <a:ext cx="12192000" cy="457200"/>
-          </a:xfrm>
-          <a:prstGeom prst="rect">
-            <a:avLst/>
-          </a:prstGeom>
-          <a:solidFill>
-            <a:srgbClr val="262626"/>
-          </a:solidFill>
-          <a:ln>
-            <a:noFill/>
-          </a:ln>
-        </p:spPr>
-        <p:style>
-          <a:lnRef idx="2">
-            <a:schemeClr val="accent1">
-              <a:shade val="50000"/>
-            </a:schemeClr>
-          </a:lnRef>
-          <a:fillRef idx="1">
-            <a:schemeClr val="accent1"/>
-          </a:fillRef>
-          <a:effectRef idx="0">
-            <a:schemeClr val="accent1"/>
-          </a:effectRef>
-          <a:fontRef idx="minor">
-            <a:schemeClr val="lt1"/>
-          </a:fontRef>
-        </p:style>
-      </p:sp>
+      </p:pic>
     </p:spTree>
     <p:extLst>
       <p:ext uri="{BB962C8B-B14F-4D97-AF65-F5344CB8AC3E}">
-        <p14:creationId xmlns:p14="http://schemas.microsoft.com/office/powerpoint/2010/main" val="781575279"/>
+        <p14:creationId xmlns:p14="http://schemas.microsoft.com/office/powerpoint/2010/main" val="2952216872"/>
       </p:ext>
     </p:extLst>
   </p:cSld>
@@ -4589,10 +4469,10 @@
       </p:grpSpPr>
       <p:sp useBgFill="1">
         <p:nvSpPr>
-          <p:cNvPr id="13" name="Rectangle 12">
+          <p:cNvPr id="8" name="Rectangle 7">
             <a:extLst>
               <a:ext uri="{FF2B5EF4-FFF2-40B4-BE49-F238E27FC236}">
-                <a16:creationId xmlns:a16="http://schemas.microsoft.com/office/drawing/2014/main" id="{3741B58E-3B65-4A01-A276-975AB2CF8A08}"/>
+                <a16:creationId xmlns:a16="http://schemas.microsoft.com/office/drawing/2014/main" id="{3558DB37-9FEE-48A2-8578-ED0401573943}"/>
               </a:ext>
               <a:ext uri="{C183D7F6-B498-43B3-948B-1728B52AA6E4}">
                 <adec:decorative xmlns:adec="http://schemas.microsoft.com/office/drawing/2017/decorative" val="1"/>
@@ -4612,8 +4492,8 @@
         </p:nvSpPr>
         <p:spPr>
           <a:xfrm>
-            <a:off x="0" y="0"/>
-            <a:ext cx="12186315" cy="6858000"/>
+            <a:off x="1507" y="0"/>
+            <a:ext cx="12192000" cy="6858000"/>
           </a:xfrm>
           <a:prstGeom prst="rect">
             <a:avLst/>
@@ -4624,15 +4504,15 @@
         </p:spPr>
         <p:style>
           <a:lnRef idx="2">
-            <a:schemeClr val="accent6">
+            <a:schemeClr val="accent1">
               <a:shade val="50000"/>
             </a:schemeClr>
           </a:lnRef>
-          <a:fillRef idx="1001">
-            <a:schemeClr val="lt1"/>
+          <a:fillRef idx="1">
+            <a:schemeClr val="accent1"/>
           </a:fillRef>
           <a:effectRef idx="0">
-            <a:schemeClr val="accent6"/>
+            <a:schemeClr val="accent1"/>
           </a:effectRef>
           <a:fontRef idx="minor">
             <a:schemeClr val="lt1"/>
@@ -4649,10 +4529,10 @@
       </p:sp>
       <p:sp>
         <p:nvSpPr>
-          <p:cNvPr id="15" name="Rectangle 14">
+          <p:cNvPr id="10" name="Rectangle 9">
             <a:extLst>
               <a:ext uri="{FF2B5EF4-FFF2-40B4-BE49-F238E27FC236}">
-                <a16:creationId xmlns:a16="http://schemas.microsoft.com/office/drawing/2014/main" id="{7AAC67C3-831B-4AB1-A259-DFB839CAFAFC}"/>
+                <a16:creationId xmlns:a16="http://schemas.microsoft.com/office/drawing/2014/main" id="{5F7FCCA6-00E2-4F74-A105-0D769872F243}"/>
               </a:ext>
               <a:ext uri="{C183D7F6-B498-43B3-948B-1728B52AA6E4}">
                 <adec:decorative xmlns:adec="http://schemas.microsoft.com/office/drawing/2017/decorative" val="1"/>
@@ -4670,10 +4550,10 @@
             </p:extLst>
           </p:nvPr>
         </p:nvSpPr>
-        <p:spPr>
+        <p:spPr bwMode="white">
           <a:xfrm>
-            <a:off x="16" y="-1"/>
-            <a:ext cx="4648593" cy="6857999"/>
+            <a:off x="1507" y="0"/>
+            <a:ext cx="12188952" cy="1905000"/>
           </a:xfrm>
           <a:prstGeom prst="rect">
             <a:avLst/>
@@ -4704,10 +4584,10 @@
       </p:sp>
       <p:sp>
         <p:nvSpPr>
-          <p:cNvPr id="7" name="Title 6">
+          <p:cNvPr id="2" name="Title 1">
             <a:extLst>
               <a:ext uri="{FF2B5EF4-FFF2-40B4-BE49-F238E27FC236}">
-                <a16:creationId xmlns:a16="http://schemas.microsoft.com/office/drawing/2014/main" id="{68A4D6FF-96A9-4706-A76F-D6DAF9357BBB}"/>
+                <a16:creationId xmlns:a16="http://schemas.microsoft.com/office/drawing/2014/main" id="{82D79C19-1C67-4C15-A4E5-9A825077367F}"/>
               </a:ext>
             </a:extLst>
           </p:cNvPr>
@@ -4720,8 +4600,8 @@
         </p:nvSpPr>
         <p:spPr>
           <a:xfrm>
-            <a:off x="492369" y="605896"/>
-            <a:ext cx="3642309" cy="5646208"/>
+            <a:off x="1097280" y="286603"/>
+            <a:ext cx="10058400" cy="1450757"/>
           </a:xfrm>
         </p:spPr>
         <p:txBody>
@@ -4731,22 +4611,22 @@
           <a:lstStyle/>
           <a:p>
             <a:r>
-              <a:rPr lang="en-US" sz="4400" dirty="0">
+              <a:rPr lang="en-US">
                 <a:solidFill>
                   <a:srgbClr val="FFFFFF"/>
                 </a:solidFill>
               </a:rPr>
-              <a:t>Use Case</a:t>
+              <a:t>Dataset stakeholder note</a:t>
             </a:r>
           </a:p>
         </p:txBody>
       </p:sp>
       <p:sp>
         <p:nvSpPr>
-          <p:cNvPr id="8" name="Content Placeholder 7">
+          <p:cNvPr id="3" name="Content Placeholder 2">
             <a:extLst>
               <a:ext uri="{FF2B5EF4-FFF2-40B4-BE49-F238E27FC236}">
-                <a16:creationId xmlns:a16="http://schemas.microsoft.com/office/drawing/2014/main" id="{FE041C4B-2C2A-4C9E-BB36-168C8A4D3D27}"/>
+                <a16:creationId xmlns:a16="http://schemas.microsoft.com/office/drawing/2014/main" id="{B2678493-7FB0-4384-8E8A-B2A0096D1C64}"/>
               </a:ext>
             </a:extLst>
           </p:cNvPr>
@@ -4759,29 +4639,41 @@
         </p:nvSpPr>
         <p:spPr>
           <a:xfrm>
-            <a:off x="5231958" y="605896"/>
-            <a:ext cx="5923721" cy="5646208"/>
+            <a:off x="1096963" y="2675694"/>
+            <a:ext cx="10058400" cy="3193294"/>
           </a:xfrm>
         </p:spPr>
         <p:txBody>
-          <a:bodyPr anchor="ctr">
+          <a:bodyPr>
             <a:normAutofit/>
           </a:bodyPr>
           <a:lstStyle/>
           <a:p>
             <a:r>
-              <a:rPr lang="en-US" sz="2400" dirty="0"/>
-              <a:t>As a consumer of news content, I would like to be able to identify news as true or false in a consistent, accurate way.  </a:t>
+              <a:rPr lang="en-US" dirty="0"/>
+              <a:t>We collected and trained the full text of the news stories in each dataset.</a:t>
+            </a:r>
+          </a:p>
+          <a:p>
+            <a:r>
+              <a:rPr lang="en-US" dirty="0"/>
+              <a:t>While there are several online factchecking organizations, none provide an API available that would allow an easier collection of true vs. false news stories. </a:t>
+            </a:r>
+          </a:p>
+          <a:p>
+            <a:r>
+              <a:rPr lang="en-US" dirty="0"/>
+              <a:t>After an extensive search, we found a total of 1126 news stories that we could use; this is not nearly enough.  The small amount of data impacted the accuracy of our models. </a:t>
             </a:r>
           </a:p>
         </p:txBody>
       </p:sp>
       <p:sp>
         <p:nvSpPr>
-          <p:cNvPr id="17" name="Rectangle 16">
+          <p:cNvPr id="12" name="Rectangle 11">
             <a:extLst>
               <a:ext uri="{FF2B5EF4-FFF2-40B4-BE49-F238E27FC236}">
-                <a16:creationId xmlns:a16="http://schemas.microsoft.com/office/drawing/2014/main" id="{FCAEED9E-BB91-43A0-911B-1ACD8803E3CE}"/>
+                <a16:creationId xmlns:a16="http://schemas.microsoft.com/office/drawing/2014/main" id="{9B834327-03F1-4931-8261-971373A5A694}"/>
               </a:ext>
               <a:ext uri="{C183D7F6-B498-43B3-948B-1728B52AA6E4}">
                 <adec:decorative xmlns:adec="http://schemas.microsoft.com/office/drawing/2017/decorative" val="1"/>
@@ -4834,7 +4726,7 @@
     </p:spTree>
     <p:extLst>
       <p:ext uri="{BB962C8B-B14F-4D97-AF65-F5344CB8AC3E}">
-        <p14:creationId xmlns:p14="http://schemas.microsoft.com/office/powerpoint/2010/main" val="3969889402"/>
+        <p14:creationId xmlns:p14="http://schemas.microsoft.com/office/powerpoint/2010/main" val="781575279"/>
       </p:ext>
     </p:extLst>
   </p:cSld>
@@ -4871,7 +4763,7 @@
       </p:grpSpPr>
       <p:sp useBgFill="1">
         <p:nvSpPr>
-          <p:cNvPr id="11" name="Rectangle 10">
+          <p:cNvPr id="13" name="Rectangle 12">
             <a:extLst>
               <a:ext uri="{FF2B5EF4-FFF2-40B4-BE49-F238E27FC236}">
                 <a16:creationId xmlns:a16="http://schemas.microsoft.com/office/drawing/2014/main" id="{3741B58E-3B65-4A01-A276-975AB2CF8A08}"/>
@@ -4931,7 +4823,7 @@
       </p:sp>
       <p:sp>
         <p:nvSpPr>
-          <p:cNvPr id="13" name="Rectangle 12">
+          <p:cNvPr id="15" name="Rectangle 14">
             <a:extLst>
               <a:ext uri="{FF2B5EF4-FFF2-40B4-BE49-F238E27FC236}">
                 <a16:creationId xmlns:a16="http://schemas.microsoft.com/office/drawing/2014/main" id="{7AAC67C3-831B-4AB1-A259-DFB839CAFAFC}"/>
@@ -4986,10 +4878,10 @@
       </p:sp>
       <p:sp>
         <p:nvSpPr>
-          <p:cNvPr id="2" name="Title 1">
+          <p:cNvPr id="7" name="Title 6">
             <a:extLst>
               <a:ext uri="{FF2B5EF4-FFF2-40B4-BE49-F238E27FC236}">
-                <a16:creationId xmlns:a16="http://schemas.microsoft.com/office/drawing/2014/main" id="{A3DDD789-4E58-498E-BBF8-6A8FE660424E}"/>
+                <a16:creationId xmlns:a16="http://schemas.microsoft.com/office/drawing/2014/main" id="{68A4D6FF-96A9-4706-A76F-D6DAF9357BBB}"/>
               </a:ext>
             </a:extLst>
           </p:cNvPr>
@@ -5013,22 +4905,22 @@
           <a:lstStyle/>
           <a:p>
             <a:r>
-              <a:rPr lang="en-US" sz="4400">
+              <a:rPr lang="en-US" sz="4400" dirty="0">
                 <a:solidFill>
                   <a:srgbClr val="FFFFFF"/>
                 </a:solidFill>
               </a:rPr>
-              <a:t>Our Solution </a:t>
+              <a:t>Use Case</a:t>
             </a:r>
           </a:p>
         </p:txBody>
       </p:sp>
       <p:sp>
         <p:nvSpPr>
-          <p:cNvPr id="6" name="Content Placeholder 5">
+          <p:cNvPr id="8" name="Content Placeholder 7">
             <a:extLst>
               <a:ext uri="{FF2B5EF4-FFF2-40B4-BE49-F238E27FC236}">
-                <a16:creationId xmlns:a16="http://schemas.microsoft.com/office/drawing/2014/main" id="{52833414-E077-4FC7-9E4F-B230119D74C8}"/>
+                <a16:creationId xmlns:a16="http://schemas.microsoft.com/office/drawing/2014/main" id="{FE041C4B-2C2A-4C9E-BB36-168C8A4D3D27}"/>
               </a:ext>
             </a:extLst>
           </p:cNvPr>
@@ -5052,15 +4944,15 @@
           <a:lstStyle/>
           <a:p>
             <a:r>
-              <a:rPr lang="en-US" sz="2400"/>
-              <a:t>We had best results </a:t>
+              <a:rPr lang="en-US" sz="2400" dirty="0"/>
+              <a:t>As a consumer of news content, I would like to be able to identify news as true or false in a consistent, accurate way.  </a:t>
             </a:r>
           </a:p>
         </p:txBody>
       </p:sp>
       <p:sp>
         <p:nvSpPr>
-          <p:cNvPr id="15" name="Rectangle 14">
+          <p:cNvPr id="17" name="Rectangle 16">
             <a:extLst>
               <a:ext uri="{FF2B5EF4-FFF2-40B4-BE49-F238E27FC236}">
                 <a16:creationId xmlns:a16="http://schemas.microsoft.com/office/drawing/2014/main" id="{FCAEED9E-BB91-43A0-911B-1ACD8803E3CE}"/>
@@ -5116,6 +5008,2005 @@
     </p:spTree>
     <p:extLst>
       <p:ext uri="{BB962C8B-B14F-4D97-AF65-F5344CB8AC3E}">
+        <p14:creationId xmlns:p14="http://schemas.microsoft.com/office/powerpoint/2010/main" val="3969889402"/>
+      </p:ext>
+    </p:extLst>
+  </p:cSld>
+  <p:clrMapOvr>
+    <a:masterClrMapping/>
+  </p:clrMapOvr>
+</p:sld>
+</file>
+
+<file path=ppt/slides/slide7.xml><?xml version="1.0" encoding="utf-8"?>
+<p:sld xmlns:a="http://schemas.openxmlformats.org/drawingml/2006/main" xmlns:r="http://schemas.openxmlformats.org/officeDocument/2006/relationships" xmlns:p="http://schemas.openxmlformats.org/presentationml/2006/main">
+  <p:cSld>
+    <p:bg>
+      <p:bgPr>
+        <a:solidFill>
+          <a:schemeClr val="bg1"/>
+        </a:solidFill>
+        <a:effectLst/>
+      </p:bgPr>
+    </p:bg>
+    <p:spTree>
+      <p:nvGrpSpPr>
+        <p:cNvPr id="1" name=""/>
+        <p:cNvGrpSpPr/>
+        <p:nvPr/>
+      </p:nvGrpSpPr>
+      <p:grpSpPr>
+        <a:xfrm>
+          <a:off x="0" y="0"/>
+          <a:ext cx="0" cy="0"/>
+          <a:chOff x="0" y="0"/>
+          <a:chExt cx="0" cy="0"/>
+        </a:xfrm>
+      </p:grpSpPr>
+      <p:sp useBgFill="1">
+        <p:nvSpPr>
+          <p:cNvPr id="11" name="Rectangle 10">
+            <a:extLst>
+              <a:ext uri="{FF2B5EF4-FFF2-40B4-BE49-F238E27FC236}">
+                <a16:creationId xmlns:a16="http://schemas.microsoft.com/office/drawing/2014/main" id="{3741B58E-3B65-4A01-A276-975AB2CF8A08}"/>
+              </a:ext>
+              <a:ext uri="{C183D7F6-B498-43B3-948B-1728B52AA6E4}">
+                <adec:decorative xmlns:adec="http://schemas.microsoft.com/office/drawing/2017/decorative" val="1"/>
+              </a:ext>
+            </a:extLst>
+          </p:cNvPr>
+          <p:cNvSpPr>
+            <a:spLocks noGrp="1" noRot="1" noChangeAspect="1" noMove="1" noResize="1" noEditPoints="1" noAdjustHandles="1" noChangeArrowheads="1" noChangeShapeType="1" noTextEdit="1"/>
+          </p:cNvSpPr>
+          <p:nvPr>
+            <p:extLst>
+              <p:ext uri="{386F3935-93C4-4BCD-93E2-E3B085C9AB24}">
+                <p16:designElem xmlns:p16="http://schemas.microsoft.com/office/powerpoint/2015/main" val="1"/>
+              </p:ext>
+            </p:extLst>
+          </p:nvPr>
+        </p:nvSpPr>
+        <p:spPr>
+          <a:xfrm>
+            <a:off x="0" y="0"/>
+            <a:ext cx="12186315" cy="6858000"/>
+          </a:xfrm>
+          <a:prstGeom prst="rect">
+            <a:avLst/>
+          </a:prstGeom>
+          <a:ln>
+            <a:noFill/>
+          </a:ln>
+        </p:spPr>
+        <p:style>
+          <a:lnRef idx="2">
+            <a:schemeClr val="accent6">
+              <a:shade val="50000"/>
+            </a:schemeClr>
+          </a:lnRef>
+          <a:fillRef idx="1001">
+            <a:schemeClr val="lt1"/>
+          </a:fillRef>
+          <a:effectRef idx="0">
+            <a:schemeClr val="accent6"/>
+          </a:effectRef>
+          <a:fontRef idx="minor">
+            <a:schemeClr val="lt1"/>
+          </a:fontRef>
+        </p:style>
+        <p:txBody>
+          <a:bodyPr rtlCol="0" anchor="ctr"/>
+          <a:lstStyle/>
+          <a:p>
+            <a:pPr algn="ctr"/>
+            <a:endParaRPr lang="en-US"/>
+          </a:p>
+        </p:txBody>
+      </p:sp>
+      <p:sp>
+        <p:nvSpPr>
+          <p:cNvPr id="13" name="Rectangle 12">
+            <a:extLst>
+              <a:ext uri="{FF2B5EF4-FFF2-40B4-BE49-F238E27FC236}">
+                <a16:creationId xmlns:a16="http://schemas.microsoft.com/office/drawing/2014/main" id="{7AAC67C3-831B-4AB1-A259-DFB839CAFAFC}"/>
+              </a:ext>
+              <a:ext uri="{C183D7F6-B498-43B3-948B-1728B52AA6E4}">
+                <adec:decorative xmlns:adec="http://schemas.microsoft.com/office/drawing/2017/decorative" val="1"/>
+              </a:ext>
+            </a:extLst>
+          </p:cNvPr>
+          <p:cNvSpPr>
+            <a:spLocks noGrp="1" noRot="1" noChangeAspect="1" noMove="1" noResize="1" noEditPoints="1" noAdjustHandles="1" noChangeArrowheads="1" noChangeShapeType="1" noTextEdit="1"/>
+          </p:cNvSpPr>
+          <p:nvPr>
+            <p:extLst>
+              <p:ext uri="{386F3935-93C4-4BCD-93E2-E3B085C9AB24}">
+                <p16:designElem xmlns:p16="http://schemas.microsoft.com/office/powerpoint/2015/main" val="1"/>
+              </p:ext>
+            </p:extLst>
+          </p:nvPr>
+        </p:nvSpPr>
+        <p:spPr>
+          <a:xfrm>
+            <a:off x="16" y="-1"/>
+            <a:ext cx="4648593" cy="6857999"/>
+          </a:xfrm>
+          <a:prstGeom prst="rect">
+            <a:avLst/>
+          </a:prstGeom>
+          <a:solidFill>
+            <a:schemeClr val="accent1"/>
+          </a:solidFill>
+          <a:ln>
+            <a:noFill/>
+          </a:ln>
+        </p:spPr>
+        <p:style>
+          <a:lnRef idx="2">
+            <a:schemeClr val="accent1">
+              <a:shade val="50000"/>
+            </a:schemeClr>
+          </a:lnRef>
+          <a:fillRef idx="1">
+            <a:schemeClr val="accent1"/>
+          </a:fillRef>
+          <a:effectRef idx="0">
+            <a:schemeClr val="accent1"/>
+          </a:effectRef>
+          <a:fontRef idx="minor">
+            <a:schemeClr val="lt1"/>
+          </a:fontRef>
+        </p:style>
+      </p:sp>
+      <p:sp>
+        <p:nvSpPr>
+          <p:cNvPr id="2" name="Title 1">
+            <a:extLst>
+              <a:ext uri="{FF2B5EF4-FFF2-40B4-BE49-F238E27FC236}">
+                <a16:creationId xmlns:a16="http://schemas.microsoft.com/office/drawing/2014/main" id="{A3DDD789-4E58-498E-BBF8-6A8FE660424E}"/>
+              </a:ext>
+            </a:extLst>
+          </p:cNvPr>
+          <p:cNvSpPr>
+            <a:spLocks noGrp="1"/>
+          </p:cNvSpPr>
+          <p:nvPr>
+            <p:ph type="title"/>
+          </p:nvPr>
+        </p:nvSpPr>
+        <p:spPr>
+          <a:xfrm>
+            <a:off x="492369" y="605896"/>
+            <a:ext cx="3642309" cy="5646208"/>
+          </a:xfrm>
+        </p:spPr>
+        <p:txBody>
+          <a:bodyPr anchor="ctr">
+            <a:normAutofit/>
+          </a:bodyPr>
+          <a:lstStyle/>
+          <a:p>
+            <a:r>
+              <a:rPr lang="en-US" sz="4400" dirty="0">
+                <a:solidFill>
+                  <a:srgbClr val="FFFFFF"/>
+                </a:solidFill>
+              </a:rPr>
+              <a:t>Results</a:t>
+            </a:r>
+          </a:p>
+        </p:txBody>
+      </p:sp>
+      <p:sp>
+        <p:nvSpPr>
+          <p:cNvPr id="6" name="Content Placeholder 5">
+            <a:extLst>
+              <a:ext uri="{FF2B5EF4-FFF2-40B4-BE49-F238E27FC236}">
+                <a16:creationId xmlns:a16="http://schemas.microsoft.com/office/drawing/2014/main" id="{52833414-E077-4FC7-9E4F-B230119D74C8}"/>
+              </a:ext>
+            </a:extLst>
+          </p:cNvPr>
+          <p:cNvSpPr>
+            <a:spLocks noGrp="1"/>
+          </p:cNvSpPr>
+          <p:nvPr>
+            <p:ph idx="1"/>
+          </p:nvPr>
+        </p:nvSpPr>
+        <p:spPr>
+          <a:xfrm>
+            <a:off x="5231958" y="605896"/>
+            <a:ext cx="5923721" cy="1657032"/>
+          </a:xfrm>
+        </p:spPr>
+        <p:txBody>
+          <a:bodyPr anchor="ctr">
+            <a:normAutofit fontScale="55000" lnSpcReduction="20000"/>
+          </a:bodyPr>
+          <a:lstStyle/>
+          <a:p>
+            <a:r>
+              <a:rPr lang="en-US" sz="2400" dirty="0"/>
+              <a:t>This is a binary classification task, so we used Accuracy as our metric.</a:t>
+            </a:r>
+          </a:p>
+          <a:p>
+            <a:r>
+              <a:rPr lang="en-US" sz="2400" dirty="0"/>
+              <a:t>We used binary </a:t>
+            </a:r>
+            <a:r>
+              <a:rPr lang="en-US" sz="2400" dirty="0" err="1"/>
+              <a:t>crossentropy</a:t>
+            </a:r>
+            <a:r>
+              <a:rPr lang="en-US" sz="2400" dirty="0"/>
+              <a:t> as our loss function.</a:t>
+            </a:r>
+          </a:p>
+          <a:p>
+            <a:r>
+              <a:rPr lang="en-US" sz="2400" dirty="0"/>
+              <a:t>Published papers on similar tasks obtain accuracies between 42% and 63%.</a:t>
+            </a:r>
+          </a:p>
+          <a:p>
+            <a:r>
+              <a:rPr lang="en-US" sz="2400" dirty="0"/>
+              <a:t>We obtained 59% accuracy using both Support Vector Machine and Convolutional 1D deep learning models.</a:t>
+            </a:r>
+          </a:p>
+        </p:txBody>
+      </p:sp>
+      <p:sp>
+        <p:nvSpPr>
+          <p:cNvPr id="15" name="Rectangle 14">
+            <a:extLst>
+              <a:ext uri="{FF2B5EF4-FFF2-40B4-BE49-F238E27FC236}">
+                <a16:creationId xmlns:a16="http://schemas.microsoft.com/office/drawing/2014/main" id="{FCAEED9E-BB91-43A0-911B-1ACD8803E3CE}"/>
+              </a:ext>
+              <a:ext uri="{C183D7F6-B498-43B3-948B-1728B52AA6E4}">
+                <adec:decorative xmlns:adec="http://schemas.microsoft.com/office/drawing/2017/decorative" val="1"/>
+              </a:ext>
+            </a:extLst>
+          </p:cNvPr>
+          <p:cNvSpPr>
+            <a:spLocks noGrp="1" noRot="1" noChangeAspect="1" noMove="1" noResize="1" noEditPoints="1" noAdjustHandles="1" noChangeArrowheads="1" noChangeShapeType="1" noTextEdit="1"/>
+          </p:cNvSpPr>
+          <p:nvPr>
+            <p:extLst>
+              <p:ext uri="{386F3935-93C4-4BCD-93E2-E3B085C9AB24}">
+                <p16:designElem xmlns:p16="http://schemas.microsoft.com/office/powerpoint/2015/main" val="1"/>
+              </p:ext>
+            </p:extLst>
+          </p:nvPr>
+        </p:nvSpPr>
+        <p:spPr>
+          <a:xfrm>
+            <a:off x="0" y="6400800"/>
+            <a:ext cx="12192000" cy="457200"/>
+          </a:xfrm>
+          <a:prstGeom prst="rect">
+            <a:avLst/>
+          </a:prstGeom>
+          <a:solidFill>
+            <a:srgbClr val="262626"/>
+          </a:solidFill>
+          <a:ln>
+            <a:noFill/>
+          </a:ln>
+        </p:spPr>
+        <p:style>
+          <a:lnRef idx="2">
+            <a:schemeClr val="accent1">
+              <a:shade val="50000"/>
+            </a:schemeClr>
+          </a:lnRef>
+          <a:fillRef idx="1">
+            <a:schemeClr val="accent1"/>
+          </a:fillRef>
+          <a:effectRef idx="0">
+            <a:schemeClr val="accent1"/>
+          </a:effectRef>
+          <a:fontRef idx="minor">
+            <a:schemeClr val="lt1"/>
+          </a:fontRef>
+        </p:style>
+      </p:sp>
+      <p:graphicFrame>
+        <p:nvGraphicFramePr>
+          <p:cNvPr id="3" name="Table 2">
+            <a:extLst>
+              <a:ext uri="{FF2B5EF4-FFF2-40B4-BE49-F238E27FC236}">
+                <a16:creationId xmlns:a16="http://schemas.microsoft.com/office/drawing/2014/main" id="{65349460-C283-423A-BDB5-265B6CE91E4E}"/>
+              </a:ext>
+            </a:extLst>
+          </p:cNvPr>
+          <p:cNvGraphicFramePr>
+            <a:graphicFrameLocks noGrp="1"/>
+          </p:cNvGraphicFramePr>
+          <p:nvPr>
+            <p:extLst>
+              <p:ext uri="{D42A27DB-BD31-4B8C-83A1-F6EECF244321}">
+                <p14:modId xmlns:p14="http://schemas.microsoft.com/office/powerpoint/2010/main" val="2111101015"/>
+              </p:ext>
+            </p:extLst>
+          </p:nvPr>
+        </p:nvGraphicFramePr>
+        <p:xfrm>
+          <a:off x="5333143" y="2350664"/>
+          <a:ext cx="5721350" cy="3962400"/>
+        </p:xfrm>
+        <a:graphic>
+          <a:graphicData uri="http://schemas.openxmlformats.org/drawingml/2006/table">
+            <a:tbl>
+              <a:tblPr firstRow="1" firstCol="1" bandRow="1">
+                <a:tableStyleId>{5C22544A-7EE6-4342-B048-85BDC9FD1C3A}</a:tableStyleId>
+              </a:tblPr>
+              <a:tblGrid>
+                <a:gridCol w="2116455">
+                  <a:extLst>
+                    <a:ext uri="{9D8B030D-6E8A-4147-A177-3AD203B41FA5}">
+                      <a16:colId xmlns:a16="http://schemas.microsoft.com/office/drawing/2014/main" val="240177721"/>
+                    </a:ext>
+                  </a:extLst>
+                </a:gridCol>
+                <a:gridCol w="1682750">
+                  <a:extLst>
+                    <a:ext uri="{9D8B030D-6E8A-4147-A177-3AD203B41FA5}">
+                      <a16:colId xmlns:a16="http://schemas.microsoft.com/office/drawing/2014/main" val="72763360"/>
+                    </a:ext>
+                  </a:extLst>
+                </a:gridCol>
+                <a:gridCol w="1922145">
+                  <a:extLst>
+                    <a:ext uri="{9D8B030D-6E8A-4147-A177-3AD203B41FA5}">
+                      <a16:colId xmlns:a16="http://schemas.microsoft.com/office/drawing/2014/main" val="804723190"/>
+                    </a:ext>
+                  </a:extLst>
+                </a:gridCol>
+              </a:tblGrid>
+              <a:tr h="0">
+                <a:tc>
+                  <a:txBody>
+                    <a:bodyPr/>
+                    <a:lstStyle/>
+                    <a:p>
+                      <a:pPr marL="0" marR="0">
+                        <a:spcBef>
+                          <a:spcPts val="0"/>
+                        </a:spcBef>
+                        <a:spcAft>
+                          <a:spcPts val="0"/>
+                        </a:spcAft>
+                      </a:pPr>
+                      <a:r>
+                        <a:rPr lang="en-US" sz="1200">
+                          <a:effectLst/>
+                        </a:rPr>
+                        <a:t> </a:t>
+                      </a:r>
+                      <a:endParaRPr lang="en-US" sz="1200">
+                        <a:effectLst/>
+                        <a:latin typeface="Calibri" panose="020F0502020204030204" pitchFamily="34" charset="0"/>
+                        <a:ea typeface="Calibri" panose="020F0502020204030204" pitchFamily="34" charset="0"/>
+                        <a:cs typeface="Times New Roman" panose="02020603050405020304" pitchFamily="18" charset="0"/>
+                      </a:endParaRPr>
+                    </a:p>
+                  </a:txBody>
+                  <a:tcPr marL="68580" marR="68580" marT="0" marB="0"/>
+                </a:tc>
+                <a:tc>
+                  <a:txBody>
+                    <a:bodyPr/>
+                    <a:lstStyle/>
+                    <a:p>
+                      <a:pPr marL="0" marR="0">
+                        <a:spcBef>
+                          <a:spcPts val="0"/>
+                        </a:spcBef>
+                        <a:spcAft>
+                          <a:spcPts val="0"/>
+                        </a:spcAft>
+                      </a:pPr>
+                      <a:r>
+                        <a:rPr lang="en-US" sz="1200">
+                          <a:effectLst/>
+                        </a:rPr>
+                        <a:t>Embedding</a:t>
+                      </a:r>
+                      <a:endParaRPr lang="en-US" sz="1200">
+                        <a:effectLst/>
+                        <a:latin typeface="Calibri" panose="020F0502020204030204" pitchFamily="34" charset="0"/>
+                        <a:ea typeface="Calibri" panose="020F0502020204030204" pitchFamily="34" charset="0"/>
+                        <a:cs typeface="Times New Roman" panose="02020603050405020304" pitchFamily="18" charset="0"/>
+                      </a:endParaRPr>
+                    </a:p>
+                  </a:txBody>
+                  <a:tcPr marL="68580" marR="68580" marT="0" marB="0"/>
+                </a:tc>
+                <a:tc>
+                  <a:txBody>
+                    <a:bodyPr/>
+                    <a:lstStyle/>
+                    <a:p>
+                      <a:pPr marL="0" marR="0">
+                        <a:spcBef>
+                          <a:spcPts val="0"/>
+                        </a:spcBef>
+                        <a:spcAft>
+                          <a:spcPts val="0"/>
+                        </a:spcAft>
+                      </a:pPr>
+                      <a:r>
+                        <a:rPr lang="en-US" sz="1200">
+                          <a:effectLst/>
+                        </a:rPr>
+                        <a:t>Accuracy</a:t>
+                      </a:r>
+                      <a:endParaRPr lang="en-US" sz="1200">
+                        <a:effectLst/>
+                        <a:latin typeface="Calibri" panose="020F0502020204030204" pitchFamily="34" charset="0"/>
+                        <a:ea typeface="Calibri" panose="020F0502020204030204" pitchFamily="34" charset="0"/>
+                        <a:cs typeface="Times New Roman" panose="02020603050405020304" pitchFamily="18" charset="0"/>
+                      </a:endParaRPr>
+                    </a:p>
+                  </a:txBody>
+                  <a:tcPr marL="68580" marR="68580" marT="0" marB="0"/>
+                </a:tc>
+                <a:extLst>
+                  <a:ext uri="{0D108BD9-81ED-4DB2-BD59-A6C34878D82A}">
+                    <a16:rowId xmlns:a16="http://schemas.microsoft.com/office/drawing/2014/main" val="1928049737"/>
+                  </a:ext>
+                </a:extLst>
+              </a:tr>
+              <a:tr h="0">
+                <a:tc>
+                  <a:txBody>
+                    <a:bodyPr/>
+                    <a:lstStyle/>
+                    <a:p>
+                      <a:pPr marL="0" marR="0">
+                        <a:spcBef>
+                          <a:spcPts val="0"/>
+                        </a:spcBef>
+                        <a:spcAft>
+                          <a:spcPts val="0"/>
+                        </a:spcAft>
+                      </a:pPr>
+                      <a:r>
+                        <a:rPr lang="en-US" sz="1600" dirty="0">
+                          <a:solidFill>
+                            <a:schemeClr val="tx1"/>
+                          </a:solidFill>
+                          <a:effectLst/>
+                        </a:rPr>
+                        <a:t>Published Results:</a:t>
+                      </a:r>
+                      <a:endParaRPr lang="en-US" sz="1600" dirty="0">
+                        <a:solidFill>
+                          <a:schemeClr val="tx1"/>
+                        </a:solidFill>
+                        <a:effectLst/>
+                        <a:latin typeface="Calibri" panose="020F0502020204030204" pitchFamily="34" charset="0"/>
+                        <a:ea typeface="Calibri" panose="020F0502020204030204" pitchFamily="34" charset="0"/>
+                        <a:cs typeface="Times New Roman" panose="02020603050405020304" pitchFamily="18" charset="0"/>
+                      </a:endParaRPr>
+                    </a:p>
+                  </a:txBody>
+                  <a:tcPr marL="68580" marR="68580" marT="0" marB="0"/>
+                </a:tc>
+                <a:tc>
+                  <a:txBody>
+                    <a:bodyPr/>
+                    <a:lstStyle/>
+                    <a:p>
+                      <a:pPr marL="0" marR="0">
+                        <a:spcBef>
+                          <a:spcPts val="0"/>
+                        </a:spcBef>
+                        <a:spcAft>
+                          <a:spcPts val="0"/>
+                        </a:spcAft>
+                      </a:pPr>
+                      <a:r>
+                        <a:rPr lang="en-US" sz="1200">
+                          <a:effectLst/>
+                        </a:rPr>
+                        <a:t> </a:t>
+                      </a:r>
+                      <a:endParaRPr lang="en-US" sz="1200">
+                        <a:effectLst/>
+                        <a:latin typeface="Calibri" panose="020F0502020204030204" pitchFamily="34" charset="0"/>
+                        <a:ea typeface="Calibri" panose="020F0502020204030204" pitchFamily="34" charset="0"/>
+                        <a:cs typeface="Times New Roman" panose="02020603050405020304" pitchFamily="18" charset="0"/>
+                      </a:endParaRPr>
+                    </a:p>
+                  </a:txBody>
+                  <a:tcPr marL="68580" marR="68580" marT="0" marB="0"/>
+                </a:tc>
+                <a:tc>
+                  <a:txBody>
+                    <a:bodyPr/>
+                    <a:lstStyle/>
+                    <a:p>
+                      <a:pPr marL="0" marR="0">
+                        <a:spcBef>
+                          <a:spcPts val="0"/>
+                        </a:spcBef>
+                        <a:spcAft>
+                          <a:spcPts val="0"/>
+                        </a:spcAft>
+                      </a:pPr>
+                      <a:r>
+                        <a:rPr lang="en-US" sz="1200">
+                          <a:effectLst/>
+                        </a:rPr>
+                        <a:t> </a:t>
+                      </a:r>
+                      <a:endParaRPr lang="en-US" sz="1200">
+                        <a:effectLst/>
+                        <a:latin typeface="Calibri" panose="020F0502020204030204" pitchFamily="34" charset="0"/>
+                        <a:ea typeface="Calibri" panose="020F0502020204030204" pitchFamily="34" charset="0"/>
+                        <a:cs typeface="Times New Roman" panose="02020603050405020304" pitchFamily="18" charset="0"/>
+                      </a:endParaRPr>
+                    </a:p>
+                  </a:txBody>
+                  <a:tcPr marL="68580" marR="68580" marT="0" marB="0"/>
+                </a:tc>
+                <a:extLst>
+                  <a:ext uri="{0D108BD9-81ED-4DB2-BD59-A6C34878D82A}">
+                    <a16:rowId xmlns:a16="http://schemas.microsoft.com/office/drawing/2014/main" val="4137882712"/>
+                  </a:ext>
+                </a:extLst>
+              </a:tr>
+              <a:tr h="0">
+                <a:tc>
+                  <a:txBody>
+                    <a:bodyPr/>
+                    <a:lstStyle/>
+                    <a:p>
+                      <a:pPr marL="0" marR="0">
+                        <a:spcBef>
+                          <a:spcPts val="0"/>
+                        </a:spcBef>
+                        <a:spcAft>
+                          <a:spcPts val="0"/>
+                        </a:spcAft>
+                      </a:pPr>
+                      <a:r>
+                        <a:rPr lang="en-US" sz="1200" dirty="0" err="1">
+                          <a:effectLst/>
+                        </a:rPr>
+                        <a:t>Salvetti</a:t>
+                      </a:r>
+                      <a:r>
+                        <a:rPr lang="en-US" sz="1200" dirty="0">
+                          <a:effectLst/>
+                        </a:rPr>
+                        <a:t>, Lowe, Martin</a:t>
+                      </a:r>
+                      <a:endParaRPr lang="en-US" sz="1200" dirty="0">
+                        <a:effectLst/>
+                        <a:latin typeface="Calibri" panose="020F0502020204030204" pitchFamily="34" charset="0"/>
+                        <a:ea typeface="Calibri" panose="020F0502020204030204" pitchFamily="34" charset="0"/>
+                        <a:cs typeface="Times New Roman" panose="02020603050405020304" pitchFamily="18" charset="0"/>
+                      </a:endParaRPr>
+                    </a:p>
+                  </a:txBody>
+                  <a:tcPr marL="68580" marR="68580" marT="0" marB="0"/>
+                </a:tc>
+                <a:tc>
+                  <a:txBody>
+                    <a:bodyPr/>
+                    <a:lstStyle/>
+                    <a:p>
+                      <a:pPr marL="0" marR="0">
+                        <a:spcBef>
+                          <a:spcPts val="0"/>
+                        </a:spcBef>
+                        <a:spcAft>
+                          <a:spcPts val="0"/>
+                        </a:spcAft>
+                      </a:pPr>
+                      <a:r>
+                        <a:rPr lang="en-US" sz="1200">
+                          <a:effectLst/>
+                        </a:rPr>
+                        <a:t> </a:t>
+                      </a:r>
+                      <a:endParaRPr lang="en-US" sz="1200">
+                        <a:effectLst/>
+                        <a:latin typeface="Calibri" panose="020F0502020204030204" pitchFamily="34" charset="0"/>
+                        <a:ea typeface="Calibri" panose="020F0502020204030204" pitchFamily="34" charset="0"/>
+                        <a:cs typeface="Times New Roman" panose="02020603050405020304" pitchFamily="18" charset="0"/>
+                      </a:endParaRPr>
+                    </a:p>
+                  </a:txBody>
+                  <a:tcPr marL="68580" marR="68580" marT="0" marB="0"/>
+                </a:tc>
+                <a:tc>
+                  <a:txBody>
+                    <a:bodyPr/>
+                    <a:lstStyle/>
+                    <a:p>
+                      <a:pPr marL="0" marR="0">
+                        <a:spcBef>
+                          <a:spcPts val="0"/>
+                        </a:spcBef>
+                        <a:spcAft>
+                          <a:spcPts val="0"/>
+                        </a:spcAft>
+                      </a:pPr>
+                      <a:r>
+                        <a:rPr lang="en-US" sz="1200">
+                          <a:effectLst/>
+                        </a:rPr>
+                        <a:t> </a:t>
+                      </a:r>
+                      <a:endParaRPr lang="en-US" sz="1200">
+                        <a:effectLst/>
+                        <a:latin typeface="Calibri" panose="020F0502020204030204" pitchFamily="34" charset="0"/>
+                        <a:ea typeface="Calibri" panose="020F0502020204030204" pitchFamily="34" charset="0"/>
+                        <a:cs typeface="Times New Roman" panose="02020603050405020304" pitchFamily="18" charset="0"/>
+                      </a:endParaRPr>
+                    </a:p>
+                  </a:txBody>
+                  <a:tcPr marL="68580" marR="68580" marT="0" marB="0"/>
+                </a:tc>
+                <a:extLst>
+                  <a:ext uri="{0D108BD9-81ED-4DB2-BD59-A6C34878D82A}">
+                    <a16:rowId xmlns:a16="http://schemas.microsoft.com/office/drawing/2014/main" val="3200089783"/>
+                  </a:ext>
+                </a:extLst>
+              </a:tr>
+              <a:tr h="0">
+                <a:tc>
+                  <a:txBody>
+                    <a:bodyPr/>
+                    <a:lstStyle/>
+                    <a:p>
+                      <a:pPr marL="0" marR="0">
+                        <a:spcBef>
+                          <a:spcPts val="0"/>
+                        </a:spcBef>
+                        <a:spcAft>
+                          <a:spcPts val="0"/>
+                        </a:spcAft>
+                      </a:pPr>
+                      <a:r>
+                        <a:rPr lang="en-US" sz="1200">
+                          <a:effectLst/>
+                        </a:rPr>
+                        <a:t>True vs False (Naïve Bayes)</a:t>
+                      </a:r>
+                      <a:endParaRPr lang="en-US" sz="1200">
+                        <a:effectLst/>
+                        <a:latin typeface="Calibri" panose="020F0502020204030204" pitchFamily="34" charset="0"/>
+                        <a:ea typeface="Calibri" panose="020F0502020204030204" pitchFamily="34" charset="0"/>
+                        <a:cs typeface="Times New Roman" panose="02020603050405020304" pitchFamily="18" charset="0"/>
+                      </a:endParaRPr>
+                    </a:p>
+                  </a:txBody>
+                  <a:tcPr marL="68580" marR="68580" marT="0" marB="0"/>
+                </a:tc>
+                <a:tc>
+                  <a:txBody>
+                    <a:bodyPr/>
+                    <a:lstStyle/>
+                    <a:p>
+                      <a:pPr marL="0" marR="0">
+                        <a:spcBef>
+                          <a:spcPts val="0"/>
+                        </a:spcBef>
+                        <a:spcAft>
+                          <a:spcPts val="0"/>
+                        </a:spcAft>
+                      </a:pPr>
+                      <a:r>
+                        <a:rPr lang="en-US" sz="1200">
+                          <a:effectLst/>
+                        </a:rPr>
+                        <a:t>Bag of Words</a:t>
+                      </a:r>
+                      <a:endParaRPr lang="en-US" sz="1200">
+                        <a:effectLst/>
+                        <a:latin typeface="Calibri" panose="020F0502020204030204" pitchFamily="34" charset="0"/>
+                        <a:ea typeface="Calibri" panose="020F0502020204030204" pitchFamily="34" charset="0"/>
+                        <a:cs typeface="Times New Roman" panose="02020603050405020304" pitchFamily="18" charset="0"/>
+                      </a:endParaRPr>
+                    </a:p>
+                  </a:txBody>
+                  <a:tcPr marL="68580" marR="68580" marT="0" marB="0"/>
+                </a:tc>
+                <a:tc>
+                  <a:txBody>
+                    <a:bodyPr/>
+                    <a:lstStyle/>
+                    <a:p>
+                      <a:pPr marL="0" marR="0">
+                        <a:spcBef>
+                          <a:spcPts val="0"/>
+                        </a:spcBef>
+                        <a:spcAft>
+                          <a:spcPts val="0"/>
+                        </a:spcAft>
+                      </a:pPr>
+                      <a:r>
+                        <a:rPr lang="en-US" sz="1200">
+                          <a:effectLst/>
+                        </a:rPr>
+                        <a:t>51.14%</a:t>
+                      </a:r>
+                      <a:endParaRPr lang="en-US" sz="1200">
+                        <a:effectLst/>
+                        <a:latin typeface="Calibri" panose="020F0502020204030204" pitchFamily="34" charset="0"/>
+                        <a:ea typeface="Calibri" panose="020F0502020204030204" pitchFamily="34" charset="0"/>
+                        <a:cs typeface="Times New Roman" panose="02020603050405020304" pitchFamily="18" charset="0"/>
+                      </a:endParaRPr>
+                    </a:p>
+                  </a:txBody>
+                  <a:tcPr marL="68580" marR="68580" marT="0" marB="0"/>
+                </a:tc>
+                <a:extLst>
+                  <a:ext uri="{0D108BD9-81ED-4DB2-BD59-A6C34878D82A}">
+                    <a16:rowId xmlns:a16="http://schemas.microsoft.com/office/drawing/2014/main" val="1682849356"/>
+                  </a:ext>
+                </a:extLst>
+              </a:tr>
+              <a:tr h="0">
+                <a:tc>
+                  <a:txBody>
+                    <a:bodyPr/>
+                    <a:lstStyle/>
+                    <a:p>
+                      <a:pPr marL="0" marR="0">
+                        <a:spcBef>
+                          <a:spcPts val="0"/>
+                        </a:spcBef>
+                        <a:spcAft>
+                          <a:spcPts val="0"/>
+                        </a:spcAft>
+                      </a:pPr>
+                      <a:r>
+                        <a:rPr lang="en-US" sz="1200">
+                          <a:effectLst/>
+                        </a:rPr>
+                        <a:t>True vs False (Naïve Bayes Multinomial)</a:t>
+                      </a:r>
+                      <a:endParaRPr lang="en-US" sz="1200">
+                        <a:effectLst/>
+                        <a:latin typeface="Calibri" panose="020F0502020204030204" pitchFamily="34" charset="0"/>
+                        <a:ea typeface="Calibri" panose="020F0502020204030204" pitchFamily="34" charset="0"/>
+                        <a:cs typeface="Times New Roman" panose="02020603050405020304" pitchFamily="18" charset="0"/>
+                      </a:endParaRPr>
+                    </a:p>
+                  </a:txBody>
+                  <a:tcPr marL="68580" marR="68580" marT="0" marB="0"/>
+                </a:tc>
+                <a:tc>
+                  <a:txBody>
+                    <a:bodyPr/>
+                    <a:lstStyle/>
+                    <a:p>
+                      <a:pPr marL="0" marR="0">
+                        <a:spcBef>
+                          <a:spcPts val="0"/>
+                        </a:spcBef>
+                        <a:spcAft>
+                          <a:spcPts val="0"/>
+                        </a:spcAft>
+                      </a:pPr>
+                      <a:r>
+                        <a:rPr lang="en-US" sz="1200">
+                          <a:effectLst/>
+                        </a:rPr>
+                        <a:t>Bag of Words</a:t>
+                      </a:r>
+                      <a:endParaRPr lang="en-US" sz="1200">
+                        <a:effectLst/>
+                        <a:latin typeface="Calibri" panose="020F0502020204030204" pitchFamily="34" charset="0"/>
+                        <a:ea typeface="Calibri" panose="020F0502020204030204" pitchFamily="34" charset="0"/>
+                        <a:cs typeface="Times New Roman" panose="02020603050405020304" pitchFamily="18" charset="0"/>
+                      </a:endParaRPr>
+                    </a:p>
+                  </a:txBody>
+                  <a:tcPr marL="68580" marR="68580" marT="0" marB="0"/>
+                </a:tc>
+                <a:tc>
+                  <a:txBody>
+                    <a:bodyPr/>
+                    <a:lstStyle/>
+                    <a:p>
+                      <a:pPr marL="0" marR="0">
+                        <a:spcBef>
+                          <a:spcPts val="0"/>
+                        </a:spcBef>
+                        <a:spcAft>
+                          <a:spcPts val="0"/>
+                        </a:spcAft>
+                      </a:pPr>
+                      <a:r>
+                        <a:rPr lang="en-US" sz="1200">
+                          <a:effectLst/>
+                        </a:rPr>
+                        <a:t>42.71%</a:t>
+                      </a:r>
+                      <a:endParaRPr lang="en-US" sz="1200">
+                        <a:effectLst/>
+                        <a:latin typeface="Calibri" panose="020F0502020204030204" pitchFamily="34" charset="0"/>
+                        <a:ea typeface="Calibri" panose="020F0502020204030204" pitchFamily="34" charset="0"/>
+                        <a:cs typeface="Times New Roman" panose="02020603050405020304" pitchFamily="18" charset="0"/>
+                      </a:endParaRPr>
+                    </a:p>
+                  </a:txBody>
+                  <a:tcPr marL="68580" marR="68580" marT="0" marB="0"/>
+                </a:tc>
+                <a:extLst>
+                  <a:ext uri="{0D108BD9-81ED-4DB2-BD59-A6C34878D82A}">
+                    <a16:rowId xmlns:a16="http://schemas.microsoft.com/office/drawing/2014/main" val="3145125577"/>
+                  </a:ext>
+                </a:extLst>
+              </a:tr>
+              <a:tr h="0">
+                <a:tc>
+                  <a:txBody>
+                    <a:bodyPr/>
+                    <a:lstStyle/>
+                    <a:p>
+                      <a:pPr marL="0" marR="0">
+                        <a:spcBef>
+                          <a:spcPts val="0"/>
+                        </a:spcBef>
+                        <a:spcAft>
+                          <a:spcPts val="0"/>
+                        </a:spcAft>
+                      </a:pPr>
+                      <a:r>
+                        <a:rPr lang="en-US" sz="1200">
+                          <a:effectLst/>
+                        </a:rPr>
+                        <a:t>Shu, Mahudeswaran, Liu</a:t>
+                      </a:r>
+                      <a:endParaRPr lang="en-US" sz="1200">
+                        <a:effectLst/>
+                        <a:latin typeface="Calibri" panose="020F0502020204030204" pitchFamily="34" charset="0"/>
+                        <a:ea typeface="Calibri" panose="020F0502020204030204" pitchFamily="34" charset="0"/>
+                        <a:cs typeface="Times New Roman" panose="02020603050405020304" pitchFamily="18" charset="0"/>
+                      </a:endParaRPr>
+                    </a:p>
+                  </a:txBody>
+                  <a:tcPr marL="68580" marR="68580" marT="0" marB="0"/>
+                </a:tc>
+                <a:tc>
+                  <a:txBody>
+                    <a:bodyPr/>
+                    <a:lstStyle/>
+                    <a:p>
+                      <a:pPr marL="0" marR="0">
+                        <a:spcBef>
+                          <a:spcPts val="0"/>
+                        </a:spcBef>
+                        <a:spcAft>
+                          <a:spcPts val="0"/>
+                        </a:spcAft>
+                      </a:pPr>
+                      <a:r>
+                        <a:rPr lang="en-US" sz="1200">
+                          <a:effectLst/>
+                        </a:rPr>
+                        <a:t> </a:t>
+                      </a:r>
+                      <a:endParaRPr lang="en-US" sz="1200">
+                        <a:effectLst/>
+                        <a:latin typeface="Calibri" panose="020F0502020204030204" pitchFamily="34" charset="0"/>
+                        <a:ea typeface="Calibri" panose="020F0502020204030204" pitchFamily="34" charset="0"/>
+                        <a:cs typeface="Times New Roman" panose="02020603050405020304" pitchFamily="18" charset="0"/>
+                      </a:endParaRPr>
+                    </a:p>
+                  </a:txBody>
+                  <a:tcPr marL="68580" marR="68580" marT="0" marB="0"/>
+                </a:tc>
+                <a:tc>
+                  <a:txBody>
+                    <a:bodyPr/>
+                    <a:lstStyle/>
+                    <a:p>
+                      <a:pPr marL="0" marR="0">
+                        <a:spcBef>
+                          <a:spcPts val="0"/>
+                        </a:spcBef>
+                        <a:spcAft>
+                          <a:spcPts val="0"/>
+                        </a:spcAft>
+                      </a:pPr>
+                      <a:r>
+                        <a:rPr lang="en-US" sz="1200">
+                          <a:effectLst/>
+                        </a:rPr>
+                        <a:t> </a:t>
+                      </a:r>
+                      <a:endParaRPr lang="en-US" sz="1200">
+                        <a:effectLst/>
+                        <a:latin typeface="Calibri" panose="020F0502020204030204" pitchFamily="34" charset="0"/>
+                        <a:ea typeface="Calibri" panose="020F0502020204030204" pitchFamily="34" charset="0"/>
+                        <a:cs typeface="Times New Roman" panose="02020603050405020304" pitchFamily="18" charset="0"/>
+                      </a:endParaRPr>
+                    </a:p>
+                  </a:txBody>
+                  <a:tcPr marL="68580" marR="68580" marT="0" marB="0"/>
+                </a:tc>
+                <a:extLst>
+                  <a:ext uri="{0D108BD9-81ED-4DB2-BD59-A6C34878D82A}">
+                    <a16:rowId xmlns:a16="http://schemas.microsoft.com/office/drawing/2014/main" val="669237260"/>
+                  </a:ext>
+                </a:extLst>
+              </a:tr>
+              <a:tr h="0">
+                <a:tc>
+                  <a:txBody>
+                    <a:bodyPr/>
+                    <a:lstStyle/>
+                    <a:p>
+                      <a:pPr marL="0" marR="0">
+                        <a:spcBef>
+                          <a:spcPts val="0"/>
+                        </a:spcBef>
+                        <a:spcAft>
+                          <a:spcPts val="0"/>
+                        </a:spcAft>
+                      </a:pPr>
+                      <a:r>
+                        <a:rPr lang="en-US" sz="1200">
+                          <a:effectLst/>
+                        </a:rPr>
+                        <a:t>Politifact </a:t>
+                      </a:r>
+                      <a:endParaRPr lang="en-US" sz="1200">
+                        <a:effectLst/>
+                        <a:latin typeface="Calibri" panose="020F0502020204030204" pitchFamily="34" charset="0"/>
+                        <a:ea typeface="Calibri" panose="020F0502020204030204" pitchFamily="34" charset="0"/>
+                        <a:cs typeface="Times New Roman" panose="02020603050405020304" pitchFamily="18" charset="0"/>
+                      </a:endParaRPr>
+                    </a:p>
+                  </a:txBody>
+                  <a:tcPr marL="68580" marR="68580" marT="0" marB="0"/>
+                </a:tc>
+                <a:tc>
+                  <a:txBody>
+                    <a:bodyPr/>
+                    <a:lstStyle/>
+                    <a:p>
+                      <a:pPr marL="0" marR="0">
+                        <a:spcBef>
+                          <a:spcPts val="0"/>
+                        </a:spcBef>
+                        <a:spcAft>
+                          <a:spcPts val="0"/>
+                        </a:spcAft>
+                      </a:pPr>
+                      <a:r>
+                        <a:rPr lang="en-US" sz="1200">
+                          <a:effectLst/>
+                        </a:rPr>
+                        <a:t>Word2vec</a:t>
+                      </a:r>
+                      <a:endParaRPr lang="en-US" sz="1200">
+                        <a:effectLst/>
+                        <a:latin typeface="Calibri" panose="020F0502020204030204" pitchFamily="34" charset="0"/>
+                        <a:ea typeface="Calibri" panose="020F0502020204030204" pitchFamily="34" charset="0"/>
+                        <a:cs typeface="Times New Roman" panose="02020603050405020304" pitchFamily="18" charset="0"/>
+                      </a:endParaRPr>
+                    </a:p>
+                  </a:txBody>
+                  <a:tcPr marL="68580" marR="68580" marT="0" marB="0"/>
+                </a:tc>
+                <a:tc>
+                  <a:txBody>
+                    <a:bodyPr/>
+                    <a:lstStyle/>
+                    <a:p>
+                      <a:pPr marL="0" marR="0">
+                        <a:spcBef>
+                          <a:spcPts val="0"/>
+                        </a:spcBef>
+                        <a:spcAft>
+                          <a:spcPts val="0"/>
+                        </a:spcAft>
+                      </a:pPr>
+                      <a:r>
+                        <a:rPr lang="en-US" sz="1200">
+                          <a:effectLst/>
+                        </a:rPr>
+                        <a:t>63.3%</a:t>
+                      </a:r>
+                      <a:endParaRPr lang="en-US" sz="1200">
+                        <a:effectLst/>
+                        <a:latin typeface="Calibri" panose="020F0502020204030204" pitchFamily="34" charset="0"/>
+                        <a:ea typeface="Calibri" panose="020F0502020204030204" pitchFamily="34" charset="0"/>
+                        <a:cs typeface="Times New Roman" panose="02020603050405020304" pitchFamily="18" charset="0"/>
+                      </a:endParaRPr>
+                    </a:p>
+                  </a:txBody>
+                  <a:tcPr marL="68580" marR="68580" marT="0" marB="0"/>
+                </a:tc>
+                <a:extLst>
+                  <a:ext uri="{0D108BD9-81ED-4DB2-BD59-A6C34878D82A}">
+                    <a16:rowId xmlns:a16="http://schemas.microsoft.com/office/drawing/2014/main" val="1699269870"/>
+                  </a:ext>
+                </a:extLst>
+              </a:tr>
+              <a:tr h="45533">
+                <a:tc>
+                  <a:txBody>
+                    <a:bodyPr/>
+                    <a:lstStyle/>
+                    <a:p>
+                      <a:pPr marL="0" marR="0">
+                        <a:spcBef>
+                          <a:spcPts val="0"/>
+                        </a:spcBef>
+                        <a:spcAft>
+                          <a:spcPts val="0"/>
+                        </a:spcAft>
+                      </a:pPr>
+                      <a:r>
+                        <a:rPr lang="en-US" sz="1200">
+                          <a:effectLst/>
+                        </a:rPr>
+                        <a:t>BuzzFeed</a:t>
+                      </a:r>
+                      <a:endParaRPr lang="en-US" sz="1200">
+                        <a:effectLst/>
+                        <a:latin typeface="Calibri" panose="020F0502020204030204" pitchFamily="34" charset="0"/>
+                        <a:ea typeface="Calibri" panose="020F0502020204030204" pitchFamily="34" charset="0"/>
+                        <a:cs typeface="Times New Roman" panose="02020603050405020304" pitchFamily="18" charset="0"/>
+                      </a:endParaRPr>
+                    </a:p>
+                  </a:txBody>
+                  <a:tcPr marL="68580" marR="68580" marT="0" marB="0"/>
+                </a:tc>
+                <a:tc>
+                  <a:txBody>
+                    <a:bodyPr/>
+                    <a:lstStyle/>
+                    <a:p>
+                      <a:pPr marL="0" marR="0">
+                        <a:spcBef>
+                          <a:spcPts val="0"/>
+                        </a:spcBef>
+                        <a:spcAft>
+                          <a:spcPts val="0"/>
+                        </a:spcAft>
+                      </a:pPr>
+                      <a:r>
+                        <a:rPr lang="en-US" sz="1200">
+                          <a:effectLst/>
+                        </a:rPr>
+                        <a:t>Word2vec</a:t>
+                      </a:r>
+                      <a:endParaRPr lang="en-US" sz="1200">
+                        <a:effectLst/>
+                        <a:latin typeface="Calibri" panose="020F0502020204030204" pitchFamily="34" charset="0"/>
+                        <a:ea typeface="Calibri" panose="020F0502020204030204" pitchFamily="34" charset="0"/>
+                        <a:cs typeface="Times New Roman" panose="02020603050405020304" pitchFamily="18" charset="0"/>
+                      </a:endParaRPr>
+                    </a:p>
+                  </a:txBody>
+                  <a:tcPr marL="68580" marR="68580" marT="0" marB="0"/>
+                </a:tc>
+                <a:tc>
+                  <a:txBody>
+                    <a:bodyPr/>
+                    <a:lstStyle/>
+                    <a:p>
+                      <a:pPr marL="0" marR="0">
+                        <a:spcBef>
+                          <a:spcPts val="0"/>
+                        </a:spcBef>
+                        <a:spcAft>
+                          <a:spcPts val="0"/>
+                        </a:spcAft>
+                      </a:pPr>
+                      <a:r>
+                        <a:rPr lang="en-US" sz="1200">
+                          <a:effectLst/>
+                        </a:rPr>
+                        <a:t>62.3%</a:t>
+                      </a:r>
+                      <a:endParaRPr lang="en-US" sz="1200">
+                        <a:effectLst/>
+                        <a:latin typeface="Calibri" panose="020F0502020204030204" pitchFamily="34" charset="0"/>
+                        <a:ea typeface="Calibri" panose="020F0502020204030204" pitchFamily="34" charset="0"/>
+                        <a:cs typeface="Times New Roman" panose="02020603050405020304" pitchFamily="18" charset="0"/>
+                      </a:endParaRPr>
+                    </a:p>
+                  </a:txBody>
+                  <a:tcPr marL="68580" marR="68580" marT="0" marB="0"/>
+                </a:tc>
+                <a:extLst>
+                  <a:ext uri="{0D108BD9-81ED-4DB2-BD59-A6C34878D82A}">
+                    <a16:rowId xmlns:a16="http://schemas.microsoft.com/office/drawing/2014/main" val="3095597415"/>
+                  </a:ext>
+                </a:extLst>
+              </a:tr>
+              <a:tr h="0">
+                <a:tc>
+                  <a:txBody>
+                    <a:bodyPr/>
+                    <a:lstStyle/>
+                    <a:p>
+                      <a:pPr marL="0" marR="0">
+                        <a:spcBef>
+                          <a:spcPts val="0"/>
+                        </a:spcBef>
+                        <a:spcAft>
+                          <a:spcPts val="0"/>
+                        </a:spcAft>
+                      </a:pPr>
+                      <a:r>
+                        <a:rPr lang="en-US" sz="1600" dirty="0">
+                          <a:solidFill>
+                            <a:schemeClr val="tx1"/>
+                          </a:solidFill>
+                          <a:effectLst/>
+                        </a:rPr>
+                        <a:t>Our Results: </a:t>
+                      </a:r>
+                      <a:endParaRPr lang="en-US" sz="1600" dirty="0">
+                        <a:solidFill>
+                          <a:schemeClr val="tx1"/>
+                        </a:solidFill>
+                        <a:effectLst/>
+                        <a:latin typeface="Calibri" panose="020F0502020204030204" pitchFamily="34" charset="0"/>
+                        <a:ea typeface="Calibri" panose="020F0502020204030204" pitchFamily="34" charset="0"/>
+                        <a:cs typeface="Times New Roman" panose="02020603050405020304" pitchFamily="18" charset="0"/>
+                      </a:endParaRPr>
+                    </a:p>
+                  </a:txBody>
+                  <a:tcPr marL="68580" marR="68580" marT="0" marB="0"/>
+                </a:tc>
+                <a:tc>
+                  <a:txBody>
+                    <a:bodyPr/>
+                    <a:lstStyle/>
+                    <a:p>
+                      <a:pPr marL="0" marR="0">
+                        <a:spcBef>
+                          <a:spcPts val="0"/>
+                        </a:spcBef>
+                        <a:spcAft>
+                          <a:spcPts val="0"/>
+                        </a:spcAft>
+                      </a:pPr>
+                      <a:r>
+                        <a:rPr lang="en-US" sz="1200">
+                          <a:effectLst/>
+                        </a:rPr>
+                        <a:t> </a:t>
+                      </a:r>
+                      <a:endParaRPr lang="en-US" sz="1200">
+                        <a:effectLst/>
+                        <a:latin typeface="Calibri" panose="020F0502020204030204" pitchFamily="34" charset="0"/>
+                        <a:ea typeface="Calibri" panose="020F0502020204030204" pitchFamily="34" charset="0"/>
+                        <a:cs typeface="Times New Roman" panose="02020603050405020304" pitchFamily="18" charset="0"/>
+                      </a:endParaRPr>
+                    </a:p>
+                  </a:txBody>
+                  <a:tcPr marL="68580" marR="68580" marT="0" marB="0"/>
+                </a:tc>
+                <a:tc>
+                  <a:txBody>
+                    <a:bodyPr/>
+                    <a:lstStyle/>
+                    <a:p>
+                      <a:pPr marL="0" marR="0">
+                        <a:spcBef>
+                          <a:spcPts val="0"/>
+                        </a:spcBef>
+                        <a:spcAft>
+                          <a:spcPts val="0"/>
+                        </a:spcAft>
+                      </a:pPr>
+                      <a:r>
+                        <a:rPr lang="en-US" sz="1200">
+                          <a:effectLst/>
+                        </a:rPr>
+                        <a:t> </a:t>
+                      </a:r>
+                      <a:endParaRPr lang="en-US" sz="1200">
+                        <a:effectLst/>
+                        <a:latin typeface="Calibri" panose="020F0502020204030204" pitchFamily="34" charset="0"/>
+                        <a:ea typeface="Calibri" panose="020F0502020204030204" pitchFamily="34" charset="0"/>
+                        <a:cs typeface="Times New Roman" panose="02020603050405020304" pitchFamily="18" charset="0"/>
+                      </a:endParaRPr>
+                    </a:p>
+                  </a:txBody>
+                  <a:tcPr marL="68580" marR="68580" marT="0" marB="0"/>
+                </a:tc>
+                <a:extLst>
+                  <a:ext uri="{0D108BD9-81ED-4DB2-BD59-A6C34878D82A}">
+                    <a16:rowId xmlns:a16="http://schemas.microsoft.com/office/drawing/2014/main" val="1898635747"/>
+                  </a:ext>
+                </a:extLst>
+              </a:tr>
+              <a:tr h="0">
+                <a:tc>
+                  <a:txBody>
+                    <a:bodyPr/>
+                    <a:lstStyle/>
+                    <a:p>
+                      <a:pPr marL="0" marR="0">
+                        <a:spcBef>
+                          <a:spcPts val="0"/>
+                        </a:spcBef>
+                        <a:spcAft>
+                          <a:spcPts val="0"/>
+                        </a:spcAft>
+                      </a:pPr>
+                      <a:r>
+                        <a:rPr lang="en-US" sz="1200">
+                          <a:effectLst/>
+                        </a:rPr>
+                        <a:t>Model: Naïve Bayes </a:t>
+                      </a:r>
+                      <a:endParaRPr lang="en-US" sz="1200">
+                        <a:effectLst/>
+                        <a:latin typeface="Calibri" panose="020F0502020204030204" pitchFamily="34" charset="0"/>
+                        <a:ea typeface="Calibri" panose="020F0502020204030204" pitchFamily="34" charset="0"/>
+                        <a:cs typeface="Times New Roman" panose="02020603050405020304" pitchFamily="18" charset="0"/>
+                      </a:endParaRPr>
+                    </a:p>
+                  </a:txBody>
+                  <a:tcPr marL="68580" marR="68580" marT="0" marB="0"/>
+                </a:tc>
+                <a:tc>
+                  <a:txBody>
+                    <a:bodyPr/>
+                    <a:lstStyle/>
+                    <a:p>
+                      <a:pPr marL="0" marR="0">
+                        <a:spcBef>
+                          <a:spcPts val="0"/>
+                        </a:spcBef>
+                        <a:spcAft>
+                          <a:spcPts val="0"/>
+                        </a:spcAft>
+                      </a:pPr>
+                      <a:r>
+                        <a:rPr lang="en-US" sz="1200">
+                          <a:effectLst/>
+                        </a:rPr>
+                        <a:t>Bag of Words 2 ngram</a:t>
+                      </a:r>
+                      <a:endParaRPr lang="en-US" sz="1200">
+                        <a:effectLst/>
+                        <a:latin typeface="Calibri" panose="020F0502020204030204" pitchFamily="34" charset="0"/>
+                        <a:ea typeface="Calibri" panose="020F0502020204030204" pitchFamily="34" charset="0"/>
+                        <a:cs typeface="Times New Roman" panose="02020603050405020304" pitchFamily="18" charset="0"/>
+                      </a:endParaRPr>
+                    </a:p>
+                  </a:txBody>
+                  <a:tcPr marL="68580" marR="68580" marT="0" marB="0"/>
+                </a:tc>
+                <a:tc>
+                  <a:txBody>
+                    <a:bodyPr/>
+                    <a:lstStyle/>
+                    <a:p>
+                      <a:pPr marL="0" marR="0">
+                        <a:spcBef>
+                          <a:spcPts val="0"/>
+                        </a:spcBef>
+                        <a:spcAft>
+                          <a:spcPts val="0"/>
+                        </a:spcAft>
+                      </a:pPr>
+                      <a:r>
+                        <a:rPr lang="en-US" sz="1200">
+                          <a:effectLst/>
+                        </a:rPr>
+                        <a:t>50%</a:t>
+                      </a:r>
+                      <a:endParaRPr lang="en-US" sz="1200">
+                        <a:effectLst/>
+                        <a:latin typeface="Calibri" panose="020F0502020204030204" pitchFamily="34" charset="0"/>
+                        <a:ea typeface="Calibri" panose="020F0502020204030204" pitchFamily="34" charset="0"/>
+                        <a:cs typeface="Times New Roman" panose="02020603050405020304" pitchFamily="18" charset="0"/>
+                      </a:endParaRPr>
+                    </a:p>
+                  </a:txBody>
+                  <a:tcPr marL="68580" marR="68580" marT="0" marB="0"/>
+                </a:tc>
+                <a:extLst>
+                  <a:ext uri="{0D108BD9-81ED-4DB2-BD59-A6C34878D82A}">
+                    <a16:rowId xmlns:a16="http://schemas.microsoft.com/office/drawing/2014/main" val="349743330"/>
+                  </a:ext>
+                </a:extLst>
+              </a:tr>
+              <a:tr h="0">
+                <a:tc>
+                  <a:txBody>
+                    <a:bodyPr/>
+                    <a:lstStyle/>
+                    <a:p>
+                      <a:pPr marL="0" marR="0">
+                        <a:spcBef>
+                          <a:spcPts val="0"/>
+                        </a:spcBef>
+                        <a:spcAft>
+                          <a:spcPts val="0"/>
+                        </a:spcAft>
+                      </a:pPr>
+                      <a:r>
+                        <a:rPr lang="en-US" sz="1200" dirty="0">
+                          <a:effectLst/>
+                        </a:rPr>
+                        <a:t>Model: Naïve Bayes – 2 </a:t>
+                      </a:r>
+                      <a:r>
+                        <a:rPr lang="en-US" sz="1200" dirty="0" err="1">
+                          <a:effectLst/>
+                        </a:rPr>
+                        <a:t>ngrams</a:t>
+                      </a:r>
+                      <a:endParaRPr lang="en-US" sz="1200" dirty="0">
+                        <a:effectLst/>
+                        <a:latin typeface="Calibri" panose="020F0502020204030204" pitchFamily="34" charset="0"/>
+                        <a:ea typeface="Calibri" panose="020F0502020204030204" pitchFamily="34" charset="0"/>
+                        <a:cs typeface="Times New Roman" panose="02020603050405020304" pitchFamily="18" charset="0"/>
+                      </a:endParaRPr>
+                    </a:p>
+                  </a:txBody>
+                  <a:tcPr marL="68580" marR="68580" marT="0" marB="0"/>
+                </a:tc>
+                <a:tc>
+                  <a:txBody>
+                    <a:bodyPr/>
+                    <a:lstStyle/>
+                    <a:p>
+                      <a:pPr marL="0" marR="0">
+                        <a:spcBef>
+                          <a:spcPts val="0"/>
+                        </a:spcBef>
+                        <a:spcAft>
+                          <a:spcPts val="0"/>
+                        </a:spcAft>
+                      </a:pPr>
+                      <a:r>
+                        <a:rPr lang="en-US" sz="1200">
+                          <a:effectLst/>
+                        </a:rPr>
+                        <a:t>Bag of Words Tf-idf</a:t>
+                      </a:r>
+                      <a:endParaRPr lang="en-US" sz="1200">
+                        <a:effectLst/>
+                        <a:latin typeface="Calibri" panose="020F0502020204030204" pitchFamily="34" charset="0"/>
+                        <a:ea typeface="Calibri" panose="020F0502020204030204" pitchFamily="34" charset="0"/>
+                        <a:cs typeface="Times New Roman" panose="02020603050405020304" pitchFamily="18" charset="0"/>
+                      </a:endParaRPr>
+                    </a:p>
+                  </a:txBody>
+                  <a:tcPr marL="68580" marR="68580" marT="0" marB="0"/>
+                </a:tc>
+                <a:tc>
+                  <a:txBody>
+                    <a:bodyPr/>
+                    <a:lstStyle/>
+                    <a:p>
+                      <a:pPr marL="0" marR="0">
+                        <a:spcBef>
+                          <a:spcPts val="0"/>
+                        </a:spcBef>
+                        <a:spcAft>
+                          <a:spcPts val="0"/>
+                        </a:spcAft>
+                      </a:pPr>
+                      <a:r>
+                        <a:rPr lang="en-US" sz="1200">
+                          <a:effectLst/>
+                        </a:rPr>
+                        <a:t>46%</a:t>
+                      </a:r>
+                      <a:endParaRPr lang="en-US" sz="1200">
+                        <a:effectLst/>
+                        <a:latin typeface="Calibri" panose="020F0502020204030204" pitchFamily="34" charset="0"/>
+                        <a:ea typeface="Calibri" panose="020F0502020204030204" pitchFamily="34" charset="0"/>
+                        <a:cs typeface="Times New Roman" panose="02020603050405020304" pitchFamily="18" charset="0"/>
+                      </a:endParaRPr>
+                    </a:p>
+                  </a:txBody>
+                  <a:tcPr marL="68580" marR="68580" marT="0" marB="0"/>
+                </a:tc>
+                <a:extLst>
+                  <a:ext uri="{0D108BD9-81ED-4DB2-BD59-A6C34878D82A}">
+                    <a16:rowId xmlns:a16="http://schemas.microsoft.com/office/drawing/2014/main" val="3046587135"/>
+                  </a:ext>
+                </a:extLst>
+              </a:tr>
+              <a:tr h="0">
+                <a:tc>
+                  <a:txBody>
+                    <a:bodyPr/>
+                    <a:lstStyle/>
+                    <a:p>
+                      <a:pPr marL="0" marR="0">
+                        <a:spcBef>
+                          <a:spcPts val="0"/>
+                        </a:spcBef>
+                        <a:spcAft>
+                          <a:spcPts val="0"/>
+                        </a:spcAft>
+                      </a:pPr>
+                      <a:r>
+                        <a:rPr lang="en-US" sz="1200">
+                          <a:effectLst/>
+                        </a:rPr>
+                        <a:t>Support Vector Machine</a:t>
+                      </a:r>
+                      <a:endParaRPr lang="en-US" sz="1200">
+                        <a:effectLst/>
+                        <a:latin typeface="Calibri" panose="020F0502020204030204" pitchFamily="34" charset="0"/>
+                        <a:ea typeface="Calibri" panose="020F0502020204030204" pitchFamily="34" charset="0"/>
+                        <a:cs typeface="Times New Roman" panose="02020603050405020304" pitchFamily="18" charset="0"/>
+                      </a:endParaRPr>
+                    </a:p>
+                  </a:txBody>
+                  <a:tcPr marL="68580" marR="68580" marT="0" marB="0"/>
+                </a:tc>
+                <a:tc>
+                  <a:txBody>
+                    <a:bodyPr/>
+                    <a:lstStyle/>
+                    <a:p>
+                      <a:pPr marL="0" marR="0">
+                        <a:spcBef>
+                          <a:spcPts val="0"/>
+                        </a:spcBef>
+                        <a:spcAft>
+                          <a:spcPts val="0"/>
+                        </a:spcAft>
+                      </a:pPr>
+                      <a:r>
+                        <a:rPr lang="en-US" sz="1200">
+                          <a:effectLst/>
+                        </a:rPr>
+                        <a:t>Bag of Words Tf-idf</a:t>
+                      </a:r>
+                      <a:endParaRPr lang="en-US" sz="1200">
+                        <a:effectLst/>
+                        <a:latin typeface="Calibri" panose="020F0502020204030204" pitchFamily="34" charset="0"/>
+                        <a:ea typeface="Calibri" panose="020F0502020204030204" pitchFamily="34" charset="0"/>
+                        <a:cs typeface="Times New Roman" panose="02020603050405020304" pitchFamily="18" charset="0"/>
+                      </a:endParaRPr>
+                    </a:p>
+                  </a:txBody>
+                  <a:tcPr marL="68580" marR="68580" marT="0" marB="0"/>
+                </a:tc>
+                <a:tc>
+                  <a:txBody>
+                    <a:bodyPr/>
+                    <a:lstStyle/>
+                    <a:p>
+                      <a:pPr marL="0" marR="0">
+                        <a:spcBef>
+                          <a:spcPts val="0"/>
+                        </a:spcBef>
+                        <a:spcAft>
+                          <a:spcPts val="0"/>
+                        </a:spcAft>
+                      </a:pPr>
+                      <a:r>
+                        <a:rPr lang="en-US" sz="1200" b="1" dirty="0">
+                          <a:effectLst/>
+                        </a:rPr>
+                        <a:t>59%</a:t>
+                      </a:r>
+                      <a:endParaRPr lang="en-US" sz="1200" b="1" dirty="0">
+                        <a:effectLst/>
+                        <a:latin typeface="Calibri" panose="020F0502020204030204" pitchFamily="34" charset="0"/>
+                        <a:ea typeface="Calibri" panose="020F0502020204030204" pitchFamily="34" charset="0"/>
+                        <a:cs typeface="Times New Roman" panose="02020603050405020304" pitchFamily="18" charset="0"/>
+                      </a:endParaRPr>
+                    </a:p>
+                  </a:txBody>
+                  <a:tcPr marL="68580" marR="68580" marT="0" marB="0"/>
+                </a:tc>
+                <a:extLst>
+                  <a:ext uri="{0D108BD9-81ED-4DB2-BD59-A6C34878D82A}">
+                    <a16:rowId xmlns:a16="http://schemas.microsoft.com/office/drawing/2014/main" val="2815977476"/>
+                  </a:ext>
+                </a:extLst>
+              </a:tr>
+              <a:tr h="0">
+                <a:tc>
+                  <a:txBody>
+                    <a:bodyPr/>
+                    <a:lstStyle/>
+                    <a:p>
+                      <a:pPr marL="0" marR="0">
+                        <a:spcBef>
+                          <a:spcPts val="0"/>
+                        </a:spcBef>
+                        <a:spcAft>
+                          <a:spcPts val="0"/>
+                        </a:spcAft>
+                      </a:pPr>
+                      <a:r>
+                        <a:rPr lang="en-US" sz="1200">
+                          <a:effectLst/>
+                        </a:rPr>
+                        <a:t>Deep Learning: </a:t>
+                      </a:r>
+                      <a:endParaRPr lang="en-US" sz="1200">
+                        <a:effectLst/>
+                        <a:latin typeface="Calibri" panose="020F0502020204030204" pitchFamily="34" charset="0"/>
+                        <a:ea typeface="Calibri" panose="020F0502020204030204" pitchFamily="34" charset="0"/>
+                        <a:cs typeface="Times New Roman" panose="02020603050405020304" pitchFamily="18" charset="0"/>
+                      </a:endParaRPr>
+                    </a:p>
+                  </a:txBody>
+                  <a:tcPr marL="68580" marR="68580" marT="0" marB="0"/>
+                </a:tc>
+                <a:tc>
+                  <a:txBody>
+                    <a:bodyPr/>
+                    <a:lstStyle/>
+                    <a:p>
+                      <a:pPr marL="0" marR="0">
+                        <a:spcBef>
+                          <a:spcPts val="0"/>
+                        </a:spcBef>
+                        <a:spcAft>
+                          <a:spcPts val="0"/>
+                        </a:spcAft>
+                      </a:pPr>
+                      <a:r>
+                        <a:rPr lang="en-US" sz="1200">
+                          <a:effectLst/>
+                        </a:rPr>
+                        <a:t> </a:t>
+                      </a:r>
+                      <a:endParaRPr lang="en-US" sz="1200">
+                        <a:effectLst/>
+                        <a:latin typeface="Calibri" panose="020F0502020204030204" pitchFamily="34" charset="0"/>
+                        <a:ea typeface="Calibri" panose="020F0502020204030204" pitchFamily="34" charset="0"/>
+                        <a:cs typeface="Times New Roman" panose="02020603050405020304" pitchFamily="18" charset="0"/>
+                      </a:endParaRPr>
+                    </a:p>
+                  </a:txBody>
+                  <a:tcPr marL="68580" marR="68580" marT="0" marB="0"/>
+                </a:tc>
+                <a:tc>
+                  <a:txBody>
+                    <a:bodyPr/>
+                    <a:lstStyle/>
+                    <a:p>
+                      <a:pPr marL="0" marR="0">
+                        <a:spcBef>
+                          <a:spcPts val="0"/>
+                        </a:spcBef>
+                        <a:spcAft>
+                          <a:spcPts val="0"/>
+                        </a:spcAft>
+                      </a:pPr>
+                      <a:r>
+                        <a:rPr lang="en-US" sz="1200">
+                          <a:effectLst/>
+                        </a:rPr>
+                        <a:t> </a:t>
+                      </a:r>
+                      <a:endParaRPr lang="en-US" sz="1200">
+                        <a:effectLst/>
+                        <a:latin typeface="Calibri" panose="020F0502020204030204" pitchFamily="34" charset="0"/>
+                        <a:ea typeface="Calibri" panose="020F0502020204030204" pitchFamily="34" charset="0"/>
+                        <a:cs typeface="Times New Roman" panose="02020603050405020304" pitchFamily="18" charset="0"/>
+                      </a:endParaRPr>
+                    </a:p>
+                  </a:txBody>
+                  <a:tcPr marL="68580" marR="68580" marT="0" marB="0"/>
+                </a:tc>
+                <a:extLst>
+                  <a:ext uri="{0D108BD9-81ED-4DB2-BD59-A6C34878D82A}">
+                    <a16:rowId xmlns:a16="http://schemas.microsoft.com/office/drawing/2014/main" val="3114026089"/>
+                  </a:ext>
+                </a:extLst>
+              </a:tr>
+              <a:tr h="0">
+                <a:tc>
+                  <a:txBody>
+                    <a:bodyPr/>
+                    <a:lstStyle/>
+                    <a:p>
+                      <a:pPr marL="0" marR="0">
+                        <a:spcBef>
+                          <a:spcPts val="0"/>
+                        </a:spcBef>
+                        <a:spcAft>
+                          <a:spcPts val="0"/>
+                        </a:spcAft>
+                      </a:pPr>
+                      <a:r>
+                        <a:rPr lang="en-US" sz="1200">
+                          <a:effectLst/>
+                        </a:rPr>
+                        <a:t>Convolutional 1d</a:t>
+                      </a:r>
+                      <a:endParaRPr lang="en-US" sz="1200">
+                        <a:effectLst/>
+                        <a:latin typeface="Calibri" panose="020F0502020204030204" pitchFamily="34" charset="0"/>
+                        <a:ea typeface="Calibri" panose="020F0502020204030204" pitchFamily="34" charset="0"/>
+                        <a:cs typeface="Times New Roman" panose="02020603050405020304" pitchFamily="18" charset="0"/>
+                      </a:endParaRPr>
+                    </a:p>
+                  </a:txBody>
+                  <a:tcPr marL="68580" marR="68580" marT="0" marB="0"/>
+                </a:tc>
+                <a:tc>
+                  <a:txBody>
+                    <a:bodyPr/>
+                    <a:lstStyle/>
+                    <a:p>
+                      <a:pPr marL="0" marR="0">
+                        <a:spcBef>
+                          <a:spcPts val="0"/>
+                        </a:spcBef>
+                        <a:spcAft>
+                          <a:spcPts val="0"/>
+                        </a:spcAft>
+                      </a:pPr>
+                      <a:r>
+                        <a:rPr lang="en-US" sz="1200">
+                          <a:effectLst/>
+                        </a:rPr>
+                        <a:t>Bag of Words 1 ngram</a:t>
+                      </a:r>
+                      <a:endParaRPr lang="en-US" sz="1200">
+                        <a:effectLst/>
+                        <a:latin typeface="Calibri" panose="020F0502020204030204" pitchFamily="34" charset="0"/>
+                        <a:ea typeface="Calibri" panose="020F0502020204030204" pitchFamily="34" charset="0"/>
+                        <a:cs typeface="Times New Roman" panose="02020603050405020304" pitchFamily="18" charset="0"/>
+                      </a:endParaRPr>
+                    </a:p>
+                  </a:txBody>
+                  <a:tcPr marL="68580" marR="68580" marT="0" marB="0"/>
+                </a:tc>
+                <a:tc>
+                  <a:txBody>
+                    <a:bodyPr/>
+                    <a:lstStyle/>
+                    <a:p>
+                      <a:pPr marL="0" marR="0">
+                        <a:spcBef>
+                          <a:spcPts val="0"/>
+                        </a:spcBef>
+                        <a:spcAft>
+                          <a:spcPts val="0"/>
+                        </a:spcAft>
+                      </a:pPr>
+                      <a:r>
+                        <a:rPr lang="en-US" sz="1200" b="1" dirty="0">
+                          <a:effectLst/>
+                        </a:rPr>
+                        <a:t>59%</a:t>
+                      </a:r>
+                      <a:endParaRPr lang="en-US" sz="1200" b="1" dirty="0">
+                        <a:effectLst/>
+                        <a:latin typeface="Calibri" panose="020F0502020204030204" pitchFamily="34" charset="0"/>
+                        <a:ea typeface="Calibri" panose="020F0502020204030204" pitchFamily="34" charset="0"/>
+                        <a:cs typeface="Times New Roman" panose="02020603050405020304" pitchFamily="18" charset="0"/>
+                      </a:endParaRPr>
+                    </a:p>
+                  </a:txBody>
+                  <a:tcPr marL="68580" marR="68580" marT="0" marB="0"/>
+                </a:tc>
+                <a:extLst>
+                  <a:ext uri="{0D108BD9-81ED-4DB2-BD59-A6C34878D82A}">
+                    <a16:rowId xmlns:a16="http://schemas.microsoft.com/office/drawing/2014/main" val="3039461322"/>
+                  </a:ext>
+                </a:extLst>
+              </a:tr>
+              <a:tr h="0">
+                <a:tc>
+                  <a:txBody>
+                    <a:bodyPr/>
+                    <a:lstStyle/>
+                    <a:p>
+                      <a:pPr marL="0" marR="0">
+                        <a:spcBef>
+                          <a:spcPts val="0"/>
+                        </a:spcBef>
+                        <a:spcAft>
+                          <a:spcPts val="0"/>
+                        </a:spcAft>
+                      </a:pPr>
+                      <a:r>
+                        <a:rPr lang="en-US" sz="1200">
+                          <a:effectLst/>
+                        </a:rPr>
+                        <a:t>Convolutional 1d</a:t>
+                      </a:r>
+                      <a:endParaRPr lang="en-US" sz="1200">
+                        <a:effectLst/>
+                        <a:latin typeface="Calibri" panose="020F0502020204030204" pitchFamily="34" charset="0"/>
+                        <a:ea typeface="Calibri" panose="020F0502020204030204" pitchFamily="34" charset="0"/>
+                        <a:cs typeface="Times New Roman" panose="02020603050405020304" pitchFamily="18" charset="0"/>
+                      </a:endParaRPr>
+                    </a:p>
+                  </a:txBody>
+                  <a:tcPr marL="68580" marR="68580" marT="0" marB="0"/>
+                </a:tc>
+                <a:tc>
+                  <a:txBody>
+                    <a:bodyPr/>
+                    <a:lstStyle/>
+                    <a:p>
+                      <a:pPr marL="0" marR="0">
+                        <a:spcBef>
+                          <a:spcPts val="0"/>
+                        </a:spcBef>
+                        <a:spcAft>
+                          <a:spcPts val="0"/>
+                        </a:spcAft>
+                      </a:pPr>
+                      <a:r>
+                        <a:rPr lang="en-US" sz="1200">
+                          <a:effectLst/>
+                        </a:rPr>
+                        <a:t>Bag of Words 2 ngram</a:t>
+                      </a:r>
+                      <a:endParaRPr lang="en-US" sz="1200">
+                        <a:effectLst/>
+                        <a:latin typeface="Calibri" panose="020F0502020204030204" pitchFamily="34" charset="0"/>
+                        <a:ea typeface="Calibri" panose="020F0502020204030204" pitchFamily="34" charset="0"/>
+                        <a:cs typeface="Times New Roman" panose="02020603050405020304" pitchFamily="18" charset="0"/>
+                      </a:endParaRPr>
+                    </a:p>
+                  </a:txBody>
+                  <a:tcPr marL="68580" marR="68580" marT="0" marB="0"/>
+                </a:tc>
+                <a:tc>
+                  <a:txBody>
+                    <a:bodyPr/>
+                    <a:lstStyle/>
+                    <a:p>
+                      <a:pPr marL="0" marR="0">
+                        <a:spcBef>
+                          <a:spcPts val="0"/>
+                        </a:spcBef>
+                        <a:spcAft>
+                          <a:spcPts val="0"/>
+                        </a:spcAft>
+                      </a:pPr>
+                      <a:r>
+                        <a:rPr lang="en-US" sz="1200">
+                          <a:effectLst/>
+                        </a:rPr>
+                        <a:t>58%</a:t>
+                      </a:r>
+                      <a:endParaRPr lang="en-US" sz="1200">
+                        <a:effectLst/>
+                        <a:latin typeface="Calibri" panose="020F0502020204030204" pitchFamily="34" charset="0"/>
+                        <a:ea typeface="Calibri" panose="020F0502020204030204" pitchFamily="34" charset="0"/>
+                        <a:cs typeface="Times New Roman" panose="02020603050405020304" pitchFamily="18" charset="0"/>
+                      </a:endParaRPr>
+                    </a:p>
+                  </a:txBody>
+                  <a:tcPr marL="68580" marR="68580" marT="0" marB="0"/>
+                </a:tc>
+                <a:extLst>
+                  <a:ext uri="{0D108BD9-81ED-4DB2-BD59-A6C34878D82A}">
+                    <a16:rowId xmlns:a16="http://schemas.microsoft.com/office/drawing/2014/main" val="1580416128"/>
+                  </a:ext>
+                </a:extLst>
+              </a:tr>
+              <a:tr h="0">
+                <a:tc>
+                  <a:txBody>
+                    <a:bodyPr/>
+                    <a:lstStyle/>
+                    <a:p>
+                      <a:pPr marL="0" marR="0">
+                        <a:spcBef>
+                          <a:spcPts val="0"/>
+                        </a:spcBef>
+                        <a:spcAft>
+                          <a:spcPts val="0"/>
+                        </a:spcAft>
+                      </a:pPr>
+                      <a:r>
+                        <a:rPr lang="en-US" sz="1200">
+                          <a:effectLst/>
+                        </a:rPr>
+                        <a:t>Densely connected </a:t>
+                      </a:r>
+                      <a:endParaRPr lang="en-US" sz="1200">
+                        <a:effectLst/>
+                        <a:latin typeface="Calibri" panose="020F0502020204030204" pitchFamily="34" charset="0"/>
+                        <a:ea typeface="Calibri" panose="020F0502020204030204" pitchFamily="34" charset="0"/>
+                        <a:cs typeface="Times New Roman" panose="02020603050405020304" pitchFamily="18" charset="0"/>
+                      </a:endParaRPr>
+                    </a:p>
+                  </a:txBody>
+                  <a:tcPr marL="68580" marR="68580" marT="0" marB="0"/>
+                </a:tc>
+                <a:tc>
+                  <a:txBody>
+                    <a:bodyPr/>
+                    <a:lstStyle/>
+                    <a:p>
+                      <a:pPr marL="0" marR="0">
+                        <a:spcBef>
+                          <a:spcPts val="0"/>
+                        </a:spcBef>
+                        <a:spcAft>
+                          <a:spcPts val="0"/>
+                        </a:spcAft>
+                      </a:pPr>
+                      <a:r>
+                        <a:rPr lang="en-US" sz="1200">
+                          <a:effectLst/>
+                        </a:rPr>
+                        <a:t>Bag of Words tf-idf 2ngrams</a:t>
+                      </a:r>
+                      <a:endParaRPr lang="en-US" sz="1200">
+                        <a:effectLst/>
+                        <a:latin typeface="Calibri" panose="020F0502020204030204" pitchFamily="34" charset="0"/>
+                        <a:ea typeface="Calibri" panose="020F0502020204030204" pitchFamily="34" charset="0"/>
+                        <a:cs typeface="Times New Roman" panose="02020603050405020304" pitchFamily="18" charset="0"/>
+                      </a:endParaRPr>
+                    </a:p>
+                  </a:txBody>
+                  <a:tcPr marL="68580" marR="68580" marT="0" marB="0"/>
+                </a:tc>
+                <a:tc>
+                  <a:txBody>
+                    <a:bodyPr/>
+                    <a:lstStyle/>
+                    <a:p>
+                      <a:pPr marL="0" marR="0">
+                        <a:spcBef>
+                          <a:spcPts val="0"/>
+                        </a:spcBef>
+                        <a:spcAft>
+                          <a:spcPts val="0"/>
+                        </a:spcAft>
+                      </a:pPr>
+                      <a:r>
+                        <a:rPr lang="en-US" sz="1200">
+                          <a:effectLst/>
+                        </a:rPr>
+                        <a:t>54%</a:t>
+                      </a:r>
+                      <a:endParaRPr lang="en-US" sz="1200">
+                        <a:effectLst/>
+                        <a:latin typeface="Calibri" panose="020F0502020204030204" pitchFamily="34" charset="0"/>
+                        <a:ea typeface="Calibri" panose="020F0502020204030204" pitchFamily="34" charset="0"/>
+                        <a:cs typeface="Times New Roman" panose="02020603050405020304" pitchFamily="18" charset="0"/>
+                      </a:endParaRPr>
+                    </a:p>
+                  </a:txBody>
+                  <a:tcPr marL="68580" marR="68580" marT="0" marB="0"/>
+                </a:tc>
+                <a:extLst>
+                  <a:ext uri="{0D108BD9-81ED-4DB2-BD59-A6C34878D82A}">
+                    <a16:rowId xmlns:a16="http://schemas.microsoft.com/office/drawing/2014/main" val="572871716"/>
+                  </a:ext>
+                </a:extLst>
+              </a:tr>
+              <a:tr h="0">
+                <a:tc>
+                  <a:txBody>
+                    <a:bodyPr/>
+                    <a:lstStyle/>
+                    <a:p>
+                      <a:pPr marL="0" marR="0">
+                        <a:spcBef>
+                          <a:spcPts val="0"/>
+                        </a:spcBef>
+                        <a:spcAft>
+                          <a:spcPts val="0"/>
+                        </a:spcAft>
+                      </a:pPr>
+                      <a:r>
+                        <a:rPr lang="en-US" sz="1200" dirty="0">
+                          <a:effectLst/>
+                        </a:rPr>
+                        <a:t>Convolutional 1d</a:t>
+                      </a:r>
+                      <a:endParaRPr lang="en-US" sz="1200" dirty="0">
+                        <a:effectLst/>
+                        <a:latin typeface="Calibri" panose="020F0502020204030204" pitchFamily="34" charset="0"/>
+                        <a:ea typeface="Calibri" panose="020F0502020204030204" pitchFamily="34" charset="0"/>
+                        <a:cs typeface="Times New Roman" panose="02020603050405020304" pitchFamily="18" charset="0"/>
+                      </a:endParaRPr>
+                    </a:p>
+                  </a:txBody>
+                  <a:tcPr marL="68580" marR="68580" marT="0" marB="0"/>
+                </a:tc>
+                <a:tc>
+                  <a:txBody>
+                    <a:bodyPr/>
+                    <a:lstStyle/>
+                    <a:p>
+                      <a:pPr marL="0" marR="0">
+                        <a:spcBef>
+                          <a:spcPts val="0"/>
+                        </a:spcBef>
+                        <a:spcAft>
+                          <a:spcPts val="0"/>
+                        </a:spcAft>
+                      </a:pPr>
+                      <a:r>
+                        <a:rPr lang="en-US" sz="1200" dirty="0">
+                          <a:effectLst/>
+                        </a:rPr>
+                        <a:t>Bag of Words </a:t>
+                      </a:r>
+                      <a:r>
+                        <a:rPr lang="en-US" sz="1200" dirty="0" err="1">
+                          <a:effectLst/>
+                        </a:rPr>
+                        <a:t>tf-idf</a:t>
+                      </a:r>
+                      <a:r>
+                        <a:rPr lang="en-US" sz="1200" dirty="0">
+                          <a:effectLst/>
+                        </a:rPr>
+                        <a:t> 2ngrams</a:t>
+                      </a:r>
+                      <a:endParaRPr lang="en-US" sz="1200" dirty="0">
+                        <a:effectLst/>
+                        <a:latin typeface="Calibri" panose="020F0502020204030204" pitchFamily="34" charset="0"/>
+                        <a:ea typeface="Calibri" panose="020F0502020204030204" pitchFamily="34" charset="0"/>
+                        <a:cs typeface="Times New Roman" panose="02020603050405020304" pitchFamily="18" charset="0"/>
+                      </a:endParaRPr>
+                    </a:p>
+                  </a:txBody>
+                  <a:tcPr marL="68580" marR="68580" marT="0" marB="0"/>
+                </a:tc>
+                <a:tc>
+                  <a:txBody>
+                    <a:bodyPr/>
+                    <a:lstStyle/>
+                    <a:p>
+                      <a:pPr marL="0" marR="0">
+                        <a:spcBef>
+                          <a:spcPts val="0"/>
+                        </a:spcBef>
+                        <a:spcAft>
+                          <a:spcPts val="0"/>
+                        </a:spcAft>
+                      </a:pPr>
+                      <a:r>
+                        <a:rPr lang="en-US" sz="1200" dirty="0">
+                          <a:effectLst/>
+                        </a:rPr>
+                        <a:t>58%</a:t>
+                      </a:r>
+                      <a:endParaRPr lang="en-US" sz="1200" dirty="0">
+                        <a:effectLst/>
+                        <a:latin typeface="Calibri" panose="020F0502020204030204" pitchFamily="34" charset="0"/>
+                        <a:ea typeface="Calibri" panose="020F0502020204030204" pitchFamily="34" charset="0"/>
+                        <a:cs typeface="Times New Roman" panose="02020603050405020304" pitchFamily="18" charset="0"/>
+                      </a:endParaRPr>
+                    </a:p>
+                  </a:txBody>
+                  <a:tcPr marL="68580" marR="68580" marT="0" marB="0"/>
+                </a:tc>
+                <a:extLst>
+                  <a:ext uri="{0D108BD9-81ED-4DB2-BD59-A6C34878D82A}">
+                    <a16:rowId xmlns:a16="http://schemas.microsoft.com/office/drawing/2014/main" val="154505644"/>
+                  </a:ext>
+                </a:extLst>
+              </a:tr>
+            </a:tbl>
+          </a:graphicData>
+        </a:graphic>
+      </p:graphicFrame>
+    </p:spTree>
+    <p:extLst>
+      <p:ext uri="{BB962C8B-B14F-4D97-AF65-F5344CB8AC3E}">
         <p14:creationId xmlns:p14="http://schemas.microsoft.com/office/powerpoint/2010/main" val="1999833567"/>
       </p:ext>
     </p:extLst>
@@ -5126,7 +7017,307 @@
 </p:sld>
 </file>
 
-<file path=ppt/slides/slide7.xml><?xml version="1.0" encoding="utf-8"?>
+<file path=ppt/slides/slide8.xml><?xml version="1.0" encoding="utf-8"?>
+<p:sld xmlns:a="http://schemas.openxmlformats.org/drawingml/2006/main" xmlns:r="http://schemas.openxmlformats.org/officeDocument/2006/relationships" xmlns:p="http://schemas.openxmlformats.org/presentationml/2006/main">
+  <p:cSld>
+    <p:bg>
+      <p:bgPr>
+        <a:solidFill>
+          <a:schemeClr val="bg1"/>
+        </a:solidFill>
+        <a:effectLst/>
+      </p:bgPr>
+    </p:bg>
+    <p:spTree>
+      <p:nvGrpSpPr>
+        <p:cNvPr id="1" name=""/>
+        <p:cNvGrpSpPr/>
+        <p:nvPr/>
+      </p:nvGrpSpPr>
+      <p:grpSpPr>
+        <a:xfrm>
+          <a:off x="0" y="0"/>
+          <a:ext cx="0" cy="0"/>
+          <a:chOff x="0" y="0"/>
+          <a:chExt cx="0" cy="0"/>
+        </a:xfrm>
+      </p:grpSpPr>
+      <p:sp useBgFill="1">
+        <p:nvSpPr>
+          <p:cNvPr id="10" name="Rectangle 9">
+            <a:extLst>
+              <a:ext uri="{FF2B5EF4-FFF2-40B4-BE49-F238E27FC236}">
+                <a16:creationId xmlns:a16="http://schemas.microsoft.com/office/drawing/2014/main" id="{3741B58E-3B65-4A01-A276-975AB2CF8A08}"/>
+              </a:ext>
+              <a:ext uri="{C183D7F6-B498-43B3-948B-1728B52AA6E4}">
+                <adec:decorative xmlns:adec="http://schemas.microsoft.com/office/drawing/2017/decorative" val="1"/>
+              </a:ext>
+            </a:extLst>
+          </p:cNvPr>
+          <p:cNvSpPr>
+            <a:spLocks noGrp="1" noRot="1" noChangeAspect="1" noMove="1" noResize="1" noEditPoints="1" noAdjustHandles="1" noChangeArrowheads="1" noChangeShapeType="1" noTextEdit="1"/>
+          </p:cNvSpPr>
+          <p:nvPr>
+            <p:extLst>
+              <p:ext uri="{386F3935-93C4-4BCD-93E2-E3B085C9AB24}">
+                <p16:designElem xmlns:p16="http://schemas.microsoft.com/office/powerpoint/2015/main" val="1"/>
+              </p:ext>
+            </p:extLst>
+          </p:nvPr>
+        </p:nvSpPr>
+        <p:spPr>
+          <a:xfrm>
+            <a:off x="0" y="0"/>
+            <a:ext cx="12186315" cy="6858000"/>
+          </a:xfrm>
+          <a:prstGeom prst="rect">
+            <a:avLst/>
+          </a:prstGeom>
+          <a:ln>
+            <a:noFill/>
+          </a:ln>
+        </p:spPr>
+        <p:style>
+          <a:lnRef idx="2">
+            <a:schemeClr val="accent6">
+              <a:shade val="50000"/>
+            </a:schemeClr>
+          </a:lnRef>
+          <a:fillRef idx="1001">
+            <a:schemeClr val="lt1"/>
+          </a:fillRef>
+          <a:effectRef idx="0">
+            <a:schemeClr val="accent6"/>
+          </a:effectRef>
+          <a:fontRef idx="minor">
+            <a:schemeClr val="lt1"/>
+          </a:fontRef>
+        </p:style>
+        <p:txBody>
+          <a:bodyPr rtlCol="0" anchor="ctr"/>
+          <a:lstStyle/>
+          <a:p>
+            <a:pPr algn="ctr"/>
+            <a:endParaRPr lang="en-US"/>
+          </a:p>
+        </p:txBody>
+      </p:sp>
+      <p:sp>
+        <p:nvSpPr>
+          <p:cNvPr id="12" name="Rectangle 11">
+            <a:extLst>
+              <a:ext uri="{FF2B5EF4-FFF2-40B4-BE49-F238E27FC236}">
+                <a16:creationId xmlns:a16="http://schemas.microsoft.com/office/drawing/2014/main" id="{7AAC67C3-831B-4AB1-A259-DFB839CAFAFC}"/>
+              </a:ext>
+              <a:ext uri="{C183D7F6-B498-43B3-948B-1728B52AA6E4}">
+                <adec:decorative xmlns:adec="http://schemas.microsoft.com/office/drawing/2017/decorative" val="1"/>
+              </a:ext>
+            </a:extLst>
+          </p:cNvPr>
+          <p:cNvSpPr>
+            <a:spLocks noGrp="1" noRot="1" noChangeAspect="1" noMove="1" noResize="1" noEditPoints="1" noAdjustHandles="1" noChangeArrowheads="1" noChangeShapeType="1" noTextEdit="1"/>
+          </p:cNvSpPr>
+          <p:nvPr>
+            <p:extLst>
+              <p:ext uri="{386F3935-93C4-4BCD-93E2-E3B085C9AB24}">
+                <p16:designElem xmlns:p16="http://schemas.microsoft.com/office/powerpoint/2015/main" val="1"/>
+              </p:ext>
+            </p:extLst>
+          </p:nvPr>
+        </p:nvSpPr>
+        <p:spPr>
+          <a:xfrm>
+            <a:off x="16" y="-1"/>
+            <a:ext cx="4648593" cy="6857999"/>
+          </a:xfrm>
+          <a:prstGeom prst="rect">
+            <a:avLst/>
+          </a:prstGeom>
+          <a:solidFill>
+            <a:schemeClr val="accent1"/>
+          </a:solidFill>
+          <a:ln>
+            <a:noFill/>
+          </a:ln>
+        </p:spPr>
+        <p:style>
+          <a:lnRef idx="2">
+            <a:schemeClr val="accent1">
+              <a:shade val="50000"/>
+            </a:schemeClr>
+          </a:lnRef>
+          <a:fillRef idx="1">
+            <a:schemeClr val="accent1"/>
+          </a:fillRef>
+          <a:effectRef idx="0">
+            <a:schemeClr val="accent1"/>
+          </a:effectRef>
+          <a:fontRef idx="minor">
+            <a:schemeClr val="lt1"/>
+          </a:fontRef>
+        </p:style>
+      </p:sp>
+      <p:sp>
+        <p:nvSpPr>
+          <p:cNvPr id="4" name="Title 3">
+            <a:extLst>
+              <a:ext uri="{FF2B5EF4-FFF2-40B4-BE49-F238E27FC236}">
+                <a16:creationId xmlns:a16="http://schemas.microsoft.com/office/drawing/2014/main" id="{4E7C70B7-49F4-4A42-BEB3-CF09F498E69D}"/>
+              </a:ext>
+            </a:extLst>
+          </p:cNvPr>
+          <p:cNvSpPr>
+            <a:spLocks noGrp="1"/>
+          </p:cNvSpPr>
+          <p:nvPr>
+            <p:ph type="title"/>
+          </p:nvPr>
+        </p:nvSpPr>
+        <p:spPr>
+          <a:xfrm>
+            <a:off x="492369" y="605896"/>
+            <a:ext cx="3642309" cy="5646208"/>
+          </a:xfrm>
+        </p:spPr>
+        <p:txBody>
+          <a:bodyPr anchor="ctr">
+            <a:normAutofit/>
+          </a:bodyPr>
+          <a:lstStyle/>
+          <a:p>
+            <a:r>
+              <a:rPr lang="en-US" sz="4400" dirty="0">
+                <a:solidFill>
+                  <a:srgbClr val="FFFFFF"/>
+                </a:solidFill>
+              </a:rPr>
+              <a:t>Final Report</a:t>
+            </a:r>
+          </a:p>
+        </p:txBody>
+      </p:sp>
+      <p:sp>
+        <p:nvSpPr>
+          <p:cNvPr id="5" name="Content Placeholder 4">
+            <a:extLst>
+              <a:ext uri="{FF2B5EF4-FFF2-40B4-BE49-F238E27FC236}">
+                <a16:creationId xmlns:a16="http://schemas.microsoft.com/office/drawing/2014/main" id="{9DDACE12-D90A-4A36-9858-D31181EBD0EC}"/>
+              </a:ext>
+            </a:extLst>
+          </p:cNvPr>
+          <p:cNvSpPr>
+            <a:spLocks noGrp="1"/>
+          </p:cNvSpPr>
+          <p:nvPr>
+            <p:ph idx="1"/>
+          </p:nvPr>
+        </p:nvSpPr>
+        <p:spPr>
+          <a:xfrm>
+            <a:off x="5231958" y="605896"/>
+            <a:ext cx="5923721" cy="5646208"/>
+          </a:xfrm>
+        </p:spPr>
+        <p:txBody>
+          <a:bodyPr anchor="ctr">
+            <a:normAutofit/>
+          </a:bodyPr>
+          <a:lstStyle/>
+          <a:p>
+            <a:pPr marL="0" indent="0">
+              <a:buNone/>
+            </a:pPr>
+            <a:r>
+              <a:rPr lang="en-US" sz="2400" dirty="0"/>
+              <a:t>Full word document for stakeholders available at: </a:t>
+            </a:r>
+          </a:p>
+          <a:p>
+            <a:pPr marL="0" indent="0">
+              <a:buNone/>
+            </a:pPr>
+            <a:r>
+              <a:rPr lang="en-US" sz="2400" dirty="0">
+                <a:hlinkClick r:id="rId2"/>
+              </a:rPr>
+              <a:t>https://github.com/adamx97/Data-Science-Advanced-Capstone/blob/master/Final%20Documents/News%20Truthiness%20Architectural%20Decisions%20Document.docx</a:t>
+            </a:r>
+            <a:r>
+              <a:rPr lang="en-US" sz="2400" dirty="0"/>
+              <a:t> </a:t>
+            </a:r>
+          </a:p>
+        </p:txBody>
+      </p:sp>
+      <p:sp>
+        <p:nvSpPr>
+          <p:cNvPr id="14" name="Rectangle 13">
+            <a:extLst>
+              <a:ext uri="{FF2B5EF4-FFF2-40B4-BE49-F238E27FC236}">
+                <a16:creationId xmlns:a16="http://schemas.microsoft.com/office/drawing/2014/main" id="{FCAEED9E-BB91-43A0-911B-1ACD8803E3CE}"/>
+              </a:ext>
+              <a:ext uri="{C183D7F6-B498-43B3-948B-1728B52AA6E4}">
+                <adec:decorative xmlns:adec="http://schemas.microsoft.com/office/drawing/2017/decorative" val="1"/>
+              </a:ext>
+            </a:extLst>
+          </p:cNvPr>
+          <p:cNvSpPr>
+            <a:spLocks noGrp="1" noRot="1" noChangeAspect="1" noMove="1" noResize="1" noEditPoints="1" noAdjustHandles="1" noChangeArrowheads="1" noChangeShapeType="1" noTextEdit="1"/>
+          </p:cNvSpPr>
+          <p:nvPr>
+            <p:extLst>
+              <p:ext uri="{386F3935-93C4-4BCD-93E2-E3B085C9AB24}">
+                <p16:designElem xmlns:p16="http://schemas.microsoft.com/office/powerpoint/2015/main" val="1"/>
+              </p:ext>
+            </p:extLst>
+          </p:nvPr>
+        </p:nvSpPr>
+        <p:spPr>
+          <a:xfrm>
+            <a:off x="0" y="6400800"/>
+            <a:ext cx="12192000" cy="457200"/>
+          </a:xfrm>
+          <a:prstGeom prst="rect">
+            <a:avLst/>
+          </a:prstGeom>
+          <a:solidFill>
+            <a:srgbClr val="262626"/>
+          </a:solidFill>
+          <a:ln>
+            <a:noFill/>
+          </a:ln>
+        </p:spPr>
+        <p:style>
+          <a:lnRef idx="2">
+            <a:schemeClr val="accent1">
+              <a:shade val="50000"/>
+            </a:schemeClr>
+          </a:lnRef>
+          <a:fillRef idx="1">
+            <a:schemeClr val="accent1"/>
+          </a:fillRef>
+          <a:effectRef idx="0">
+            <a:schemeClr val="accent1"/>
+          </a:effectRef>
+          <a:fontRef idx="minor">
+            <a:schemeClr val="lt1"/>
+          </a:fontRef>
+        </p:style>
+      </p:sp>
+    </p:spTree>
+    <p:extLst>
+      <p:ext uri="{BB962C8B-B14F-4D97-AF65-F5344CB8AC3E}">
+        <p14:creationId xmlns:p14="http://schemas.microsoft.com/office/powerpoint/2010/main" val="776382235"/>
+      </p:ext>
+    </p:extLst>
+  </p:cSld>
+  <p:clrMapOvr>
+    <a:masterClrMapping/>
+  </p:clrMapOvr>
+</p:sld>
+</file>
+
+<file path=ppt/slides/slide9.xml><?xml version="1.0" encoding="utf-8"?>
 <p:sld xmlns:a="http://schemas.openxmlformats.org/drawingml/2006/main" xmlns:r="http://schemas.openxmlformats.org/officeDocument/2006/relationships" xmlns:p="http://schemas.openxmlformats.org/presentationml/2006/main">
   <p:cSld>
     <p:spTree>
@@ -5570,21 +7761,21 @@
 </file>
 
 <file path=customXml/item1.xml><?xml version="1.0" encoding="utf-8"?>
+<p:properties xmlns:p="http://schemas.microsoft.com/office/2006/metadata/properties" xmlns:xsi="http://www.w3.org/2001/XMLSchema-instance" xmlns:pc="http://schemas.microsoft.com/office/infopath/2007/PartnerControls">
+  <documentManagement>
+    <Status xmlns="71af3243-3dd4-4a8d-8c0d-dd76da1f02a5">Not started</Status>
+    <MediaServiceKeyPoints xmlns="71af3243-3dd4-4a8d-8c0d-dd76da1f02a5" xsi:nil="true"/>
+  </documentManagement>
+</p:properties>
+</file>
+
+<file path=customXml/item2.xml><?xml version="1.0" encoding="utf-8"?>
 <?mso-contentType ?>
 <FormTemplates xmlns="http://schemas.microsoft.com/sharepoint/v3/contenttype/forms">
   <Display>DocumentLibraryForm</Display>
   <Edit>DocumentLibraryForm</Edit>
   <New>DocumentLibraryForm</New>
 </FormTemplates>
-</file>
-
-<file path=customXml/item2.xml><?xml version="1.0" encoding="utf-8"?>
-<p:properties xmlns:p="http://schemas.microsoft.com/office/2006/metadata/properties" xmlns:xsi="http://www.w3.org/2001/XMLSchema-instance" xmlns:pc="http://schemas.microsoft.com/office/infopath/2007/PartnerControls">
-  <documentManagement>
-    <Status xmlns="71af3243-3dd4-4a8d-8c0d-dd76da1f02a5">Not started</Status>
-    <MediaServiceKeyPoints xmlns="71af3243-3dd4-4a8d-8c0d-dd76da1f02a5" xsi:nil="true"/>
-  </documentManagement>
-</p:properties>
 </file>
 
 <file path=customXml/item3.xml><?xml version="1.0" encoding="utf-8"?>
@@ -5809,19 +8000,19 @@
 </file>
 
 <file path=customXml/itemProps1.xml><?xml version="1.0" encoding="utf-8"?>
-<ds:datastoreItem xmlns:ds="http://schemas.openxmlformats.org/officeDocument/2006/customXml" ds:itemID="{638A3B04-B0F3-4C12-A722-52B5CF6D9723}">
+<ds:datastoreItem xmlns:ds="http://schemas.openxmlformats.org/officeDocument/2006/customXml" ds:itemID="{4F5B1FD9-3BB6-4DA9-A089-3B68C2323D4F}">
   <ds:schemaRefs>
-    <ds:schemaRef ds:uri="http://schemas.microsoft.com/sharepoint/v3/contenttype/forms"/>
+    <ds:schemaRef ds:uri="http://schemas.microsoft.com/office/2006/metadata/properties"/>
+    <ds:schemaRef ds:uri="http://schemas.microsoft.com/office/infopath/2007/PartnerControls"/>
+    <ds:schemaRef ds:uri="71af3243-3dd4-4a8d-8c0d-dd76da1f02a5"/>
   </ds:schemaRefs>
 </ds:datastoreItem>
 </file>
 
 <file path=customXml/itemProps2.xml><?xml version="1.0" encoding="utf-8"?>
-<ds:datastoreItem xmlns:ds="http://schemas.openxmlformats.org/officeDocument/2006/customXml" ds:itemID="{4F5B1FD9-3BB6-4DA9-A089-3B68C2323D4F}">
+<ds:datastoreItem xmlns:ds="http://schemas.openxmlformats.org/officeDocument/2006/customXml" ds:itemID="{638A3B04-B0F3-4C12-A722-52B5CF6D9723}">
   <ds:schemaRefs>
-    <ds:schemaRef ds:uri="http://schemas.microsoft.com/office/2006/metadata/properties"/>
-    <ds:schemaRef ds:uri="http://schemas.microsoft.com/office/infopath/2007/PartnerControls"/>
-    <ds:schemaRef ds:uri="71af3243-3dd4-4a8d-8c0d-dd76da1f02a5"/>
+    <ds:schemaRef ds:uri="http://schemas.microsoft.com/sharepoint/v3/contenttype/forms"/>
   </ds:schemaRefs>
 </ds:datastoreItem>
 </file>
